--- a/Automated Testing Refinement Proposal.pptx
+++ b/Automated Testing Refinement Proposal.pptx
@@ -5,14 +5,15 @@
     <p:sldMasterId id="2147483648" r:id="rId1"/>
   </p:sldMasterIdLst>
   <p:notesMasterIdLst>
-    <p:notesMasterId r:id="rId7"/>
+    <p:notesMasterId r:id="rId8"/>
   </p:notesMasterIdLst>
   <p:sldIdLst>
     <p:sldId id="256" r:id="rId2"/>
     <p:sldId id="260" r:id="rId3"/>
-    <p:sldId id="257" r:id="rId4"/>
-    <p:sldId id="258" r:id="rId5"/>
-    <p:sldId id="259" r:id="rId6"/>
+    <p:sldId id="261" r:id="rId4"/>
+    <p:sldId id="257" r:id="rId5"/>
+    <p:sldId id="258" r:id="rId6"/>
+    <p:sldId id="259" r:id="rId7"/>
   </p:sldIdLst>
   <p:sldSz cx="12192000" cy="6858000"/>
   <p:notesSz cx="6858000" cy="9144000"/>
@@ -111,6 +112,11 @@
       </a:defRPr>
     </a:lvl9pPr>
   </p:defaultTextStyle>
+  <p:extLst>
+    <p:ext uri="{EFAFB233-063F-42B5-8137-9DF3F51BA10A}">
+      <p15:sldGuideLst xmlns:p15="http://schemas.microsoft.com/office/powerpoint/2012/main"/>
+    </p:ext>
+  </p:extLst>
 </p:presentation>
 </file>
 
@@ -528,7 +534,7 @@
           <a:p>
             <a:fld id="{A0E9F198-3222-4179-AA1E-E221065A465D}" type="slidenum">
               <a:rPr lang="en-US" smtClean="0"/>
-              <a:t>3</a:t>
+              <a:t>4</a:t>
             </a:fld>
             <a:endParaRPr lang="en-US"/>
           </a:p>
@@ -4715,7 +4721,7 @@
       </p:grpSpPr>
       <p:sp>
         <p:nvSpPr>
-          <p:cNvPr id="21" name="Rectangle 20">
+          <p:cNvPr id="12" name="Rectangle 11">
             <a:extLst>
               <a:ext uri="{FF2B5EF4-FFF2-40B4-BE49-F238E27FC236}">
                 <a16:creationId xmlns:a16="http://schemas.microsoft.com/office/drawing/2014/main" id="{F3060C83-F051-4F0E-ABAD-AA0DFC48B218}"/>
@@ -4778,7 +4784,7 @@
       </p:sp>
       <p:sp>
         <p:nvSpPr>
-          <p:cNvPr id="23" name="Freeform: Shape 22">
+          <p:cNvPr id="14" name="Freeform: Shape 13">
             <a:extLst>
               <a:ext uri="{FF2B5EF4-FFF2-40B4-BE49-F238E27FC236}">
                 <a16:creationId xmlns:a16="http://schemas.microsoft.com/office/drawing/2014/main" id="{83C98ABE-055B-441F-B07E-44F97F083C39}"/>
@@ -4894,7 +4900,7 @@
       </p:sp>
       <p:sp>
         <p:nvSpPr>
-          <p:cNvPr id="25" name="Rectangle 24">
+          <p:cNvPr id="16" name="Rectangle 15">
             <a:extLst>
               <a:ext uri="{FF2B5EF4-FFF2-40B4-BE49-F238E27FC236}">
                 <a16:creationId xmlns:a16="http://schemas.microsoft.com/office/drawing/2014/main" id="{29FDB030-9B49-4CED-8CCD-4D99382388AC}"/>
@@ -4959,7 +4965,7 @@
       </p:sp>
       <p:sp>
         <p:nvSpPr>
-          <p:cNvPr id="27" name="Rectangle 26">
+          <p:cNvPr id="18" name="Rectangle 17">
             <a:extLst>
               <a:ext uri="{FF2B5EF4-FFF2-40B4-BE49-F238E27FC236}">
                 <a16:creationId xmlns:a16="http://schemas.microsoft.com/office/drawing/2014/main" id="{3783CA14-24A1-485C-8B30-D6A5D87987AD}"/>
@@ -5024,7 +5030,7 @@
       </p:sp>
       <p:sp>
         <p:nvSpPr>
-          <p:cNvPr id="29" name="Freeform: Shape 28">
+          <p:cNvPr id="20" name="Freeform: Shape 19">
             <a:extLst>
               <a:ext uri="{FF2B5EF4-FFF2-40B4-BE49-F238E27FC236}">
                 <a16:creationId xmlns:a16="http://schemas.microsoft.com/office/drawing/2014/main" id="{9A97C86A-04D6-40F7-AE84-31AB43E6A846}"/>
@@ -5134,7 +5140,7 @@
       </p:sp>
       <p:sp>
         <p:nvSpPr>
-          <p:cNvPr id="31" name="Isosceles Triangle 30">
+          <p:cNvPr id="22" name="Isosceles Triangle 21">
             <a:extLst>
               <a:ext uri="{FF2B5EF4-FFF2-40B4-BE49-F238E27FC236}">
                 <a16:creationId xmlns:a16="http://schemas.microsoft.com/office/drawing/2014/main" id="{FF9F2414-84E8-453E-B1F3-389FDE8192D9}"/>
@@ -5199,37 +5205,28 @@
       </p:sp>
       <p:pic>
         <p:nvPicPr>
-          <p:cNvPr id="5" name="Content Placeholder 4" descr="A blue and white table with text&#10;&#10;AI-generated content may be incorrect.">
-            <a:extLst>
-              <a:ext uri="{FF2B5EF4-FFF2-40B4-BE49-F238E27FC236}">
-                <a16:creationId xmlns:a16="http://schemas.microsoft.com/office/drawing/2014/main" id="{985FD7B5-30CF-EE6D-592D-E17BE6D3D869}"/>
+          <p:cNvPr id="7" name="Picture 6" descr="A diagram of a software development process&#10;&#10;AI-generated content may be incorrect.">
+            <a:extLst>
+              <a:ext uri="{FF2B5EF4-FFF2-40B4-BE49-F238E27FC236}">
+                <a16:creationId xmlns:a16="http://schemas.microsoft.com/office/drawing/2014/main" id="{3821F8EB-DF55-9893-1471-2BA85C63BB0D}"/>
               </a:ext>
             </a:extLst>
           </p:cNvPr>
           <p:cNvPicPr>
-            <a:picLocks noGrp="1" noChangeAspect="1"/>
+            <a:picLocks noChangeAspect="1"/>
           </p:cNvPicPr>
-          <p:nvPr>
-            <p:ph idx="1"/>
-          </p:nvPr>
+          <p:nvPr/>
         </p:nvPicPr>
         <p:blipFill>
-          <a:blip r:embed="rId3">
-            <a:extLst>
-              <a:ext uri="{28A0092B-C50C-407E-A947-70E740481C1C}">
-                <a14:useLocalDpi xmlns:a14="http://schemas.microsoft.com/office/drawing/2010/main" val="0"/>
-              </a:ext>
-            </a:extLst>
-          </a:blip>
-          <a:srcRect b="12879"/>
+          <a:blip r:embed="rId2"/>
           <a:stretch>
             <a:fillRect/>
           </a:stretch>
         </p:blipFill>
         <p:spPr>
           <a:xfrm>
-            <a:off x="653759" y="643467"/>
-            <a:ext cx="10884481" cy="5571065"/>
+            <a:off x="4236657" y="643467"/>
+            <a:ext cx="3718685" cy="5571065"/>
           </a:xfrm>
           <a:prstGeom prst="rect">
             <a:avLst/>
@@ -5241,7 +5238,7 @@
       </p:pic>
       <p:sp>
         <p:nvSpPr>
-          <p:cNvPr id="33" name="Isosceles Triangle 32">
+          <p:cNvPr id="24" name="Isosceles Triangle 23">
             <a:extLst>
               <a:ext uri="{FF2B5EF4-FFF2-40B4-BE49-F238E27FC236}">
                 <a16:creationId xmlns:a16="http://schemas.microsoft.com/office/drawing/2014/main" id="{3ECA69A1-7536-43AC-85EF-C7106179F5ED}"/>
@@ -5307,7 +5304,7 @@
     </p:spTree>
     <p:extLst>
       <p:ext uri="{BB962C8B-B14F-4D97-AF65-F5344CB8AC3E}">
-        <p14:creationId xmlns:p14="http://schemas.microsoft.com/office/powerpoint/2010/main" val="1703398727"/>
+        <p14:creationId xmlns:p14="http://schemas.microsoft.com/office/powerpoint/2010/main" val="2064725996"/>
       </p:ext>
     </p:extLst>
   </p:cSld>
@@ -5344,7 +5341,7 @@
       </p:grpSpPr>
       <p:sp>
         <p:nvSpPr>
-          <p:cNvPr id="10" name="Rectangle 9">
+          <p:cNvPr id="21" name="Rectangle 20">
             <a:extLst>
               <a:ext uri="{FF2B5EF4-FFF2-40B4-BE49-F238E27FC236}">
                 <a16:creationId xmlns:a16="http://schemas.microsoft.com/office/drawing/2014/main" id="{F3060C83-F051-4F0E-ABAD-AA0DFC48B218}"/>
@@ -5407,7 +5404,7 @@
       </p:sp>
       <p:sp>
         <p:nvSpPr>
-          <p:cNvPr id="12" name="Freeform: Shape 11">
+          <p:cNvPr id="23" name="Freeform: Shape 22">
             <a:extLst>
               <a:ext uri="{FF2B5EF4-FFF2-40B4-BE49-F238E27FC236}">
                 <a16:creationId xmlns:a16="http://schemas.microsoft.com/office/drawing/2014/main" id="{83C98ABE-055B-441F-B07E-44F97F083C39}"/>
@@ -5523,7 +5520,7 @@
       </p:sp>
       <p:sp>
         <p:nvSpPr>
-          <p:cNvPr id="14" name="Rectangle 13">
+          <p:cNvPr id="25" name="Rectangle 24">
             <a:extLst>
               <a:ext uri="{FF2B5EF4-FFF2-40B4-BE49-F238E27FC236}">
                 <a16:creationId xmlns:a16="http://schemas.microsoft.com/office/drawing/2014/main" id="{29FDB030-9B49-4CED-8CCD-4D99382388AC}"/>
@@ -5588,7 +5585,7 @@
       </p:sp>
       <p:sp>
         <p:nvSpPr>
-          <p:cNvPr id="16" name="Rectangle 15">
+          <p:cNvPr id="27" name="Rectangle 26">
             <a:extLst>
               <a:ext uri="{FF2B5EF4-FFF2-40B4-BE49-F238E27FC236}">
                 <a16:creationId xmlns:a16="http://schemas.microsoft.com/office/drawing/2014/main" id="{3783CA14-24A1-485C-8B30-D6A5D87987AD}"/>
@@ -5653,7 +5650,7 @@
       </p:sp>
       <p:sp>
         <p:nvSpPr>
-          <p:cNvPr id="18" name="Freeform: Shape 17">
+          <p:cNvPr id="29" name="Freeform: Shape 28">
             <a:extLst>
               <a:ext uri="{FF2B5EF4-FFF2-40B4-BE49-F238E27FC236}">
                 <a16:creationId xmlns:a16="http://schemas.microsoft.com/office/drawing/2014/main" id="{9A97C86A-04D6-40F7-AE84-31AB43E6A846}"/>
@@ -5763,7 +5760,7 @@
       </p:sp>
       <p:sp>
         <p:nvSpPr>
-          <p:cNvPr id="20" name="Isosceles Triangle 19">
+          <p:cNvPr id="31" name="Isosceles Triangle 30">
             <a:extLst>
               <a:ext uri="{FF2B5EF4-FFF2-40B4-BE49-F238E27FC236}">
                 <a16:creationId xmlns:a16="http://schemas.microsoft.com/office/drawing/2014/main" id="{FF9F2414-84E8-453E-B1F3-389FDE8192D9}"/>
@@ -5828,28 +5825,37 @@
       </p:sp>
       <p:pic>
         <p:nvPicPr>
-          <p:cNvPr id="5" name="Picture 4">
-            <a:extLst>
-              <a:ext uri="{FF2B5EF4-FFF2-40B4-BE49-F238E27FC236}">
-                <a16:creationId xmlns:a16="http://schemas.microsoft.com/office/drawing/2014/main" id="{213B6238-D538-EB4C-89D7-3AAD5FB79508}"/>
+          <p:cNvPr id="5" name="Content Placeholder 4" descr="A blue and white table with text&#10;&#10;AI-generated content may be incorrect.">
+            <a:extLst>
+              <a:ext uri="{FF2B5EF4-FFF2-40B4-BE49-F238E27FC236}">
+                <a16:creationId xmlns:a16="http://schemas.microsoft.com/office/drawing/2014/main" id="{985FD7B5-30CF-EE6D-592D-E17BE6D3D869}"/>
               </a:ext>
             </a:extLst>
           </p:cNvPr>
           <p:cNvPicPr>
-            <a:picLocks noChangeAspect="1"/>
+            <a:picLocks noGrp="1" noChangeAspect="1"/>
           </p:cNvPicPr>
-          <p:nvPr/>
+          <p:nvPr>
+            <p:ph idx="1"/>
+          </p:nvPr>
         </p:nvPicPr>
         <p:blipFill>
-          <a:blip r:embed="rId2"/>
+          <a:blip r:embed="rId3">
+            <a:extLst>
+              <a:ext uri="{28A0092B-C50C-407E-A947-70E740481C1C}">
+                <a14:useLocalDpi xmlns:a14="http://schemas.microsoft.com/office/drawing/2010/main" val="0"/>
+              </a:ext>
+            </a:extLst>
+          </a:blip>
+          <a:srcRect b="12879"/>
           <a:stretch>
             <a:fillRect/>
           </a:stretch>
         </p:blipFill>
         <p:spPr>
           <a:xfrm>
-            <a:off x="643467" y="839045"/>
-            <a:ext cx="10905066" cy="5179908"/>
+            <a:off x="653759" y="643467"/>
+            <a:ext cx="10884481" cy="5571065"/>
           </a:xfrm>
           <a:prstGeom prst="rect">
             <a:avLst/>
@@ -5861,7 +5867,7 @@
       </p:pic>
       <p:sp>
         <p:nvSpPr>
-          <p:cNvPr id="22" name="Isosceles Triangle 21">
+          <p:cNvPr id="33" name="Isosceles Triangle 32">
             <a:extLst>
               <a:ext uri="{FF2B5EF4-FFF2-40B4-BE49-F238E27FC236}">
                 <a16:creationId xmlns:a16="http://schemas.microsoft.com/office/drawing/2014/main" id="{3ECA69A1-7536-43AC-85EF-C7106179F5ED}"/>
@@ -5927,7 +5933,7 @@
     </p:spTree>
     <p:extLst>
       <p:ext uri="{BB962C8B-B14F-4D97-AF65-F5344CB8AC3E}">
-        <p14:creationId xmlns:p14="http://schemas.microsoft.com/office/powerpoint/2010/main" val="2042024187"/>
+        <p14:creationId xmlns:p14="http://schemas.microsoft.com/office/powerpoint/2010/main" val="1703398727"/>
       </p:ext>
     </p:extLst>
   </p:cSld>
@@ -5940,6 +5946,14 @@
 <file path=ppt/slides/slide5.xml><?xml version="1.0" encoding="utf-8"?>
 <p:sld xmlns:a="http://schemas.openxmlformats.org/drawingml/2006/main" xmlns:r="http://schemas.openxmlformats.org/officeDocument/2006/relationships" xmlns:p="http://schemas.openxmlformats.org/presentationml/2006/main">
   <p:cSld>
+    <p:bg>
+      <p:bgPr>
+        <a:solidFill>
+          <a:schemeClr val="bg1"/>
+        </a:solidFill>
+        <a:effectLst/>
+      </p:bgPr>
+    </p:bg>
     <p:spTree>
       <p:nvGrpSpPr>
         <p:cNvPr id="1" name=""/>
@@ -5956,32 +5970,850 @@
       </p:grpSpPr>
       <p:sp>
         <p:nvSpPr>
-          <p:cNvPr id="2" name="Title 1">
-            <a:extLst>
-              <a:ext uri="{FF2B5EF4-FFF2-40B4-BE49-F238E27FC236}">
-                <a16:creationId xmlns:a16="http://schemas.microsoft.com/office/drawing/2014/main" id="{99AC89DE-9C8C-0A39-9D6B-92AFFA6CC1DF}"/>
-              </a:ext>
-            </a:extLst>
-          </p:cNvPr>
-          <p:cNvSpPr>
-            <a:spLocks noGrp="1"/>
-          </p:cNvSpPr>
-          <p:nvPr>
-            <p:ph type="title"/>
+          <p:cNvPr id="10" name="Rectangle 9">
+            <a:extLst>
+              <a:ext uri="{FF2B5EF4-FFF2-40B4-BE49-F238E27FC236}">
+                <a16:creationId xmlns:a16="http://schemas.microsoft.com/office/drawing/2014/main" id="{F3060C83-F051-4F0E-ABAD-AA0DFC48B218}"/>
+              </a:ext>
+              <a:ext uri="{C183D7F6-B498-43B3-948B-1728B52AA6E4}">
+                <adec:decorative xmlns:adec="http://schemas.microsoft.com/office/drawing/2017/decorative" val="1"/>
+              </a:ext>
+            </a:extLst>
+          </p:cNvPr>
+          <p:cNvSpPr>
+            <a:spLocks noGrp="1" noRot="1" noChangeAspect="1" noMove="1" noResize="1" noEditPoints="1" noAdjustHandles="1" noChangeArrowheads="1" noChangeShapeType="1" noTextEdit="1"/>
+          </p:cNvSpPr>
+          <p:nvPr>
+            <p:extLst>
+              <p:ext uri="{386F3935-93C4-4BCD-93E2-E3B085C9AB24}">
+                <p16:designElem xmlns:p16="http://schemas.microsoft.com/office/powerpoint/2015/main" val="1"/>
+              </p:ext>
+            </p:extLst>
           </p:nvPr>
         </p:nvSpPr>
         <p:spPr>
           <a:xfrm>
-            <a:off x="5288973" y="2766218"/>
-            <a:ext cx="1614054" cy="1325563"/>
+            <a:off x="0" y="0"/>
+            <a:ext cx="12192000" cy="6858000"/>
+          </a:xfrm>
+          <a:prstGeom prst="rect">
+            <a:avLst/>
+          </a:prstGeom>
+          <a:solidFill>
+            <a:schemeClr val="bg1"/>
+          </a:solidFill>
+          <a:ln>
+            <a:noFill/>
+          </a:ln>
+        </p:spPr>
+        <p:style>
+          <a:lnRef idx="2">
+            <a:schemeClr val="accent1">
+              <a:shade val="50000"/>
+            </a:schemeClr>
+          </a:lnRef>
+          <a:fillRef idx="1">
+            <a:schemeClr val="accent1"/>
+          </a:fillRef>
+          <a:effectRef idx="0">
+            <a:schemeClr val="accent1"/>
+          </a:effectRef>
+          <a:fontRef idx="minor">
+            <a:schemeClr val="lt1"/>
+          </a:fontRef>
+        </p:style>
+        <p:txBody>
+          <a:bodyPr rtlCol="0" anchor="ctr"/>
+          <a:lstStyle/>
+          <a:p>
+            <a:pPr algn="ctr"/>
+            <a:endParaRPr lang="en-US" dirty="0"/>
+          </a:p>
+        </p:txBody>
+      </p:sp>
+      <p:sp>
+        <p:nvSpPr>
+          <p:cNvPr id="12" name="Freeform: Shape 11">
+            <a:extLst>
+              <a:ext uri="{FF2B5EF4-FFF2-40B4-BE49-F238E27FC236}">
+                <a16:creationId xmlns:a16="http://schemas.microsoft.com/office/drawing/2014/main" id="{83C98ABE-055B-441F-B07E-44F97F083C39}"/>
+              </a:ext>
+              <a:ext uri="{C183D7F6-B498-43B3-948B-1728B52AA6E4}">
+                <adec:decorative xmlns:adec="http://schemas.microsoft.com/office/drawing/2017/decorative" val="1"/>
+              </a:ext>
+            </a:extLst>
+          </p:cNvPr>
+          <p:cNvSpPr>
+            <a:spLocks noGrp="1" noRot="1" noChangeAspect="1" noMove="1" noResize="1" noEditPoints="1" noAdjustHandles="1" noChangeArrowheads="1" noChangeShapeType="1" noTextEdit="1"/>
+          </p:cNvSpPr>
+          <p:nvPr>
+            <p:extLst>
+              <p:ext uri="{386F3935-93C4-4BCD-93E2-E3B085C9AB24}">
+                <p16:designElem xmlns:p16="http://schemas.microsoft.com/office/powerpoint/2015/main" val="1"/>
+              </p:ext>
+            </p:extLst>
+          </p:nvPr>
+        </p:nvSpPr>
+        <p:spPr>
+          <a:xfrm rot="18900000" flipH="1">
+            <a:off x="-376156" y="-253670"/>
+            <a:ext cx="1827638" cy="1376989"/>
+          </a:xfrm>
+          <a:custGeom>
+            <a:avLst/>
+            <a:gdLst>
+              <a:gd name="connsiteX0" fmla="*/ 0 w 1827638"/>
+              <a:gd name="connsiteY0" fmla="*/ 987379 h 1376989"/>
+              <a:gd name="connsiteX1" fmla="*/ 987379 w 1827638"/>
+              <a:gd name="connsiteY1" fmla="*/ 0 h 1376989"/>
+              <a:gd name="connsiteX2" fmla="*/ 1827638 w 1827638"/>
+              <a:gd name="connsiteY2" fmla="*/ 840260 h 1376989"/>
+              <a:gd name="connsiteX3" fmla="*/ 1827638 w 1827638"/>
+              <a:gd name="connsiteY3" fmla="*/ 1376989 h 1376989"/>
+              <a:gd name="connsiteX4" fmla="*/ 0 w 1827638"/>
+              <a:gd name="connsiteY4" fmla="*/ 1376989 h 1376989"/>
+            </a:gdLst>
+            <a:ahLst/>
+            <a:cxnLst>
+              <a:cxn ang="0">
+                <a:pos x="connsiteX0" y="connsiteY0"/>
+              </a:cxn>
+              <a:cxn ang="0">
+                <a:pos x="connsiteX1" y="connsiteY1"/>
+              </a:cxn>
+              <a:cxn ang="0">
+                <a:pos x="connsiteX2" y="connsiteY2"/>
+              </a:cxn>
+              <a:cxn ang="0">
+                <a:pos x="connsiteX3" y="connsiteY3"/>
+              </a:cxn>
+              <a:cxn ang="0">
+                <a:pos x="connsiteX4" y="connsiteY4"/>
+              </a:cxn>
+            </a:cxnLst>
+            <a:rect l="l" t="t" r="r" b="b"/>
+            <a:pathLst>
+              <a:path w="1827638" h="1376989">
+                <a:moveTo>
+                  <a:pt x="0" y="987379"/>
+                </a:moveTo>
+                <a:lnTo>
+                  <a:pt x="987379" y="0"/>
+                </a:lnTo>
+                <a:lnTo>
+                  <a:pt x="1827638" y="840260"/>
+                </a:lnTo>
+                <a:lnTo>
+                  <a:pt x="1827638" y="1376989"/>
+                </a:lnTo>
+                <a:lnTo>
+                  <a:pt x="0" y="1376989"/>
+                </a:lnTo>
+                <a:close/>
+              </a:path>
+            </a:pathLst>
+          </a:custGeom>
+          <a:solidFill>
+            <a:schemeClr val="accent1">
+              <a:alpha val="30000"/>
+            </a:schemeClr>
+          </a:solidFill>
+          <a:ln>
+            <a:noFill/>
+          </a:ln>
+        </p:spPr>
+        <p:style>
+          <a:lnRef idx="2">
+            <a:schemeClr val="accent1">
+              <a:shade val="50000"/>
+            </a:schemeClr>
+          </a:lnRef>
+          <a:fillRef idx="1">
+            <a:schemeClr val="accent1"/>
+          </a:fillRef>
+          <a:effectRef idx="0">
+            <a:schemeClr val="accent1"/>
+          </a:effectRef>
+          <a:fontRef idx="minor">
+            <a:schemeClr val="lt1"/>
+          </a:fontRef>
+        </p:style>
+        <p:txBody>
+          <a:bodyPr rtlCol="0" anchor="ctr"/>
+          <a:lstStyle/>
+          <a:p>
+            <a:pPr algn="ctr"/>
+            <a:endParaRPr lang="en-US" dirty="0"/>
+          </a:p>
+        </p:txBody>
+      </p:sp>
+      <p:sp>
+        <p:nvSpPr>
+          <p:cNvPr id="14" name="Rectangle 13">
+            <a:extLst>
+              <a:ext uri="{FF2B5EF4-FFF2-40B4-BE49-F238E27FC236}">
+                <a16:creationId xmlns:a16="http://schemas.microsoft.com/office/drawing/2014/main" id="{29FDB030-9B49-4CED-8CCD-4D99382388AC}"/>
+              </a:ext>
+              <a:ext uri="{C183D7F6-B498-43B3-948B-1728B52AA6E4}">
+                <adec:decorative xmlns:adec="http://schemas.microsoft.com/office/drawing/2017/decorative" val="1"/>
+              </a:ext>
+            </a:extLst>
+          </p:cNvPr>
+          <p:cNvSpPr>
+            <a:spLocks noGrp="1" noRot="1" noChangeAspect="1" noMove="1" noResize="1" noEditPoints="1" noAdjustHandles="1" noChangeArrowheads="1" noChangeShapeType="1" noTextEdit="1"/>
+          </p:cNvSpPr>
+          <p:nvPr>
+            <p:extLst>
+              <p:ext uri="{386F3935-93C4-4BCD-93E2-E3B085C9AB24}">
+                <p16:designElem xmlns:p16="http://schemas.microsoft.com/office/powerpoint/2015/main" val="1"/>
+              </p:ext>
+            </p:extLst>
+          </p:nvPr>
+        </p:nvSpPr>
+        <p:spPr>
+          <a:xfrm rot="18900000" flipH="1">
+            <a:off x="891641" y="422146"/>
+            <a:ext cx="645368" cy="645368"/>
+          </a:xfrm>
+          <a:prstGeom prst="rect">
+            <a:avLst/>
+          </a:prstGeom>
+          <a:solidFill>
+            <a:schemeClr val="accent1">
+              <a:alpha val="30000"/>
+            </a:schemeClr>
+          </a:solidFill>
+          <a:ln>
+            <a:noFill/>
+          </a:ln>
+        </p:spPr>
+        <p:style>
+          <a:lnRef idx="2">
+            <a:schemeClr val="accent1">
+              <a:shade val="50000"/>
+            </a:schemeClr>
+          </a:lnRef>
+          <a:fillRef idx="1">
+            <a:schemeClr val="accent1"/>
+          </a:fillRef>
+          <a:effectRef idx="0">
+            <a:schemeClr val="accent1"/>
+          </a:effectRef>
+          <a:fontRef idx="minor">
+            <a:schemeClr val="lt1"/>
+          </a:fontRef>
+        </p:style>
+        <p:txBody>
+          <a:bodyPr rtlCol="0" anchor="ctr"/>
+          <a:lstStyle/>
+          <a:p>
+            <a:pPr algn="ctr"/>
+            <a:endParaRPr lang="en-US"/>
+          </a:p>
+        </p:txBody>
+      </p:sp>
+      <p:sp>
+        <p:nvSpPr>
+          <p:cNvPr id="16" name="Rectangle 15">
+            <a:extLst>
+              <a:ext uri="{FF2B5EF4-FFF2-40B4-BE49-F238E27FC236}">
+                <a16:creationId xmlns:a16="http://schemas.microsoft.com/office/drawing/2014/main" id="{3783CA14-24A1-485C-8B30-D6A5D87987AD}"/>
+              </a:ext>
+              <a:ext uri="{C183D7F6-B498-43B3-948B-1728B52AA6E4}">
+                <adec:decorative xmlns:adec="http://schemas.microsoft.com/office/drawing/2017/decorative" val="1"/>
+              </a:ext>
+            </a:extLst>
+          </p:cNvPr>
+          <p:cNvSpPr>
+            <a:spLocks noGrp="1" noRot="1" noChangeAspect="1" noMove="1" noResize="1" noEditPoints="1" noAdjustHandles="1" noChangeArrowheads="1" noChangeShapeType="1" noTextEdit="1"/>
+          </p:cNvSpPr>
+          <p:nvPr>
+            <p:extLst>
+              <p:ext uri="{386F3935-93C4-4BCD-93E2-E3B085C9AB24}">
+                <p16:designElem xmlns:p16="http://schemas.microsoft.com/office/powerpoint/2015/main" val="1"/>
+              </p:ext>
+            </p:extLst>
+          </p:nvPr>
+        </p:nvSpPr>
+        <p:spPr>
+          <a:xfrm rot="18900000" flipH="1">
+            <a:off x="10043482" y="655140"/>
+            <a:ext cx="687472" cy="687472"/>
+          </a:xfrm>
+          <a:prstGeom prst="rect">
+            <a:avLst/>
+          </a:prstGeom>
+          <a:solidFill>
+            <a:schemeClr val="accent4">
+              <a:alpha val="30000"/>
+            </a:schemeClr>
+          </a:solidFill>
+          <a:ln>
+            <a:noFill/>
+          </a:ln>
+        </p:spPr>
+        <p:style>
+          <a:lnRef idx="2">
+            <a:schemeClr val="accent1">
+              <a:shade val="50000"/>
+            </a:schemeClr>
+          </a:lnRef>
+          <a:fillRef idx="1">
+            <a:schemeClr val="accent1"/>
+          </a:fillRef>
+          <a:effectRef idx="0">
+            <a:schemeClr val="accent1"/>
+          </a:effectRef>
+          <a:fontRef idx="minor">
+            <a:schemeClr val="lt1"/>
+          </a:fontRef>
+        </p:style>
+        <p:txBody>
+          <a:bodyPr rtlCol="0" anchor="ctr"/>
+          <a:lstStyle/>
+          <a:p>
+            <a:pPr algn="ctr"/>
+            <a:endParaRPr lang="en-US"/>
+          </a:p>
+        </p:txBody>
+      </p:sp>
+      <p:sp>
+        <p:nvSpPr>
+          <p:cNvPr id="18" name="Freeform: Shape 17">
+            <a:extLst>
+              <a:ext uri="{FF2B5EF4-FFF2-40B4-BE49-F238E27FC236}">
+                <a16:creationId xmlns:a16="http://schemas.microsoft.com/office/drawing/2014/main" id="{9A97C86A-04D6-40F7-AE84-31AB43E6A846}"/>
+              </a:ext>
+              <a:ext uri="{C183D7F6-B498-43B3-948B-1728B52AA6E4}">
+                <adec:decorative xmlns:adec="http://schemas.microsoft.com/office/drawing/2017/decorative" val="1"/>
+              </a:ext>
+            </a:extLst>
+          </p:cNvPr>
+          <p:cNvSpPr>
+            <a:spLocks noGrp="1" noRot="1" noChangeAspect="1" noMove="1" noResize="1" noEditPoints="1" noAdjustHandles="1" noChangeArrowheads="1" noChangeShapeType="1" noTextEdit="1"/>
+          </p:cNvSpPr>
+          <p:nvPr>
+            <p:extLst>
+              <p:ext uri="{386F3935-93C4-4BCD-93E2-E3B085C9AB24}">
+                <p16:designElem xmlns:p16="http://schemas.microsoft.com/office/powerpoint/2015/main" val="1"/>
+              </p:ext>
+            </p:extLst>
+          </p:nvPr>
+        </p:nvSpPr>
+        <p:spPr>
+          <a:xfrm rot="10800000" flipH="1">
+            <a:off x="9356643" y="0"/>
+            <a:ext cx="2835357" cy="1480837"/>
+          </a:xfrm>
+          <a:custGeom>
+            <a:avLst/>
+            <a:gdLst>
+              <a:gd name="connsiteX0" fmla="*/ 2835357 w 2835357"/>
+              <a:gd name="connsiteY0" fmla="*/ 1480837 h 1480837"/>
+              <a:gd name="connsiteX1" fmla="*/ 0 w 2835357"/>
+              <a:gd name="connsiteY1" fmla="*/ 1480837 h 1480837"/>
+              <a:gd name="connsiteX2" fmla="*/ 1552727 w 2835357"/>
+              <a:gd name="connsiteY2" fmla="*/ 0 h 1480837"/>
+              <a:gd name="connsiteX3" fmla="*/ 2835357 w 2835357"/>
+              <a:gd name="connsiteY3" fmla="*/ 1223245 h 1480837"/>
+            </a:gdLst>
+            <a:ahLst/>
+            <a:cxnLst>
+              <a:cxn ang="0">
+                <a:pos x="connsiteX0" y="connsiteY0"/>
+              </a:cxn>
+              <a:cxn ang="0">
+                <a:pos x="connsiteX1" y="connsiteY1"/>
+              </a:cxn>
+              <a:cxn ang="0">
+                <a:pos x="connsiteX2" y="connsiteY2"/>
+              </a:cxn>
+              <a:cxn ang="0">
+                <a:pos x="connsiteX3" y="connsiteY3"/>
+              </a:cxn>
+            </a:cxnLst>
+            <a:rect l="l" t="t" r="r" b="b"/>
+            <a:pathLst>
+              <a:path w="2835357" h="1480837">
+                <a:moveTo>
+                  <a:pt x="2835357" y="1480837"/>
+                </a:moveTo>
+                <a:lnTo>
+                  <a:pt x="0" y="1480837"/>
+                </a:lnTo>
+                <a:lnTo>
+                  <a:pt x="1552727" y="0"/>
+                </a:lnTo>
+                <a:lnTo>
+                  <a:pt x="2835357" y="1223245"/>
+                </a:lnTo>
+                <a:close/>
+              </a:path>
+            </a:pathLst>
+          </a:custGeom>
+          <a:solidFill>
+            <a:schemeClr val="accent4">
+              <a:alpha val="30000"/>
+            </a:schemeClr>
+          </a:solidFill>
+          <a:ln>
+            <a:noFill/>
+          </a:ln>
+        </p:spPr>
+        <p:style>
+          <a:lnRef idx="2">
+            <a:schemeClr val="accent1">
+              <a:shade val="50000"/>
+            </a:schemeClr>
+          </a:lnRef>
+          <a:fillRef idx="1">
+            <a:schemeClr val="accent1"/>
+          </a:fillRef>
+          <a:effectRef idx="0">
+            <a:schemeClr val="accent1"/>
+          </a:effectRef>
+          <a:fontRef idx="minor">
+            <a:schemeClr val="lt1"/>
+          </a:fontRef>
+        </p:style>
+        <p:txBody>
+          <a:bodyPr wrap="square" rtlCol="0" anchor="ctr">
+            <a:noAutofit/>
+          </a:bodyPr>
+          <a:lstStyle/>
+          <a:p>
+            <a:pPr algn="ctr"/>
+            <a:endParaRPr lang="en-US" dirty="0"/>
+          </a:p>
+        </p:txBody>
+      </p:sp>
+      <p:sp>
+        <p:nvSpPr>
+          <p:cNvPr id="20" name="Isosceles Triangle 19">
+            <a:extLst>
+              <a:ext uri="{FF2B5EF4-FFF2-40B4-BE49-F238E27FC236}">
+                <a16:creationId xmlns:a16="http://schemas.microsoft.com/office/drawing/2014/main" id="{FF9F2414-84E8-453E-B1F3-389FDE8192D9}"/>
+              </a:ext>
+              <a:ext uri="{C183D7F6-B498-43B3-948B-1728B52AA6E4}">
+                <adec:decorative xmlns:adec="http://schemas.microsoft.com/office/drawing/2017/decorative" val="1"/>
+              </a:ext>
+            </a:extLst>
+          </p:cNvPr>
+          <p:cNvSpPr>
+            <a:spLocks noGrp="1" noRot="1" noChangeAspect="1" noMove="1" noResize="1" noEditPoints="1" noAdjustHandles="1" noChangeArrowheads="1" noChangeShapeType="1" noTextEdit="1"/>
+          </p:cNvSpPr>
+          <p:nvPr>
+            <p:extLst>
+              <p:ext uri="{386F3935-93C4-4BCD-93E2-E3B085C9AB24}">
+                <p16:designElem xmlns:p16="http://schemas.microsoft.com/office/powerpoint/2015/main" val="1"/>
+              </p:ext>
+            </p:extLst>
+          </p:nvPr>
+        </p:nvSpPr>
+        <p:spPr>
+          <a:xfrm flipH="1">
+            <a:off x="7976344" y="6115501"/>
+            <a:ext cx="1494513" cy="742499"/>
+          </a:xfrm>
+          <a:prstGeom prst="triangle">
+            <a:avLst/>
+          </a:prstGeom>
+          <a:solidFill>
+            <a:schemeClr val="accent1">
+              <a:alpha val="30000"/>
+            </a:schemeClr>
+          </a:solidFill>
+          <a:ln>
+            <a:noFill/>
+          </a:ln>
+        </p:spPr>
+        <p:style>
+          <a:lnRef idx="2">
+            <a:schemeClr val="accent1">
+              <a:shade val="50000"/>
+            </a:schemeClr>
+          </a:lnRef>
+          <a:fillRef idx="1">
+            <a:schemeClr val="accent1"/>
+          </a:fillRef>
+          <a:effectRef idx="0">
+            <a:schemeClr val="accent1"/>
+          </a:effectRef>
+          <a:fontRef idx="minor">
+            <a:schemeClr val="lt1"/>
+          </a:fontRef>
+        </p:style>
+        <p:txBody>
+          <a:bodyPr rtlCol="0" anchor="ctr"/>
+          <a:lstStyle/>
+          <a:p>
+            <a:pPr algn="ctr"/>
+            <a:endParaRPr lang="en-US"/>
+          </a:p>
+        </p:txBody>
+      </p:sp>
+      <p:pic>
+        <p:nvPicPr>
+          <p:cNvPr id="5" name="Picture 4">
+            <a:extLst>
+              <a:ext uri="{FF2B5EF4-FFF2-40B4-BE49-F238E27FC236}">
+                <a16:creationId xmlns:a16="http://schemas.microsoft.com/office/drawing/2014/main" id="{213B6238-D538-EB4C-89D7-3AAD5FB79508}"/>
+              </a:ext>
+            </a:extLst>
+          </p:cNvPr>
+          <p:cNvPicPr>
+            <a:picLocks noChangeAspect="1"/>
+          </p:cNvPicPr>
+          <p:nvPr/>
+        </p:nvPicPr>
+        <p:blipFill>
+          <a:blip r:embed="rId2"/>
+          <a:stretch>
+            <a:fillRect/>
+          </a:stretch>
+        </p:blipFill>
+        <p:spPr>
+          <a:xfrm>
+            <a:off x="643467" y="839045"/>
+            <a:ext cx="10905066" cy="5179908"/>
+          </a:xfrm>
+          <a:prstGeom prst="rect">
+            <a:avLst/>
+          </a:prstGeom>
+          <a:ln>
+            <a:noFill/>
+          </a:ln>
+        </p:spPr>
+      </p:pic>
+      <p:sp>
+        <p:nvSpPr>
+          <p:cNvPr id="22" name="Isosceles Triangle 21">
+            <a:extLst>
+              <a:ext uri="{FF2B5EF4-FFF2-40B4-BE49-F238E27FC236}">
+                <a16:creationId xmlns:a16="http://schemas.microsoft.com/office/drawing/2014/main" id="{3ECA69A1-7536-43AC-85EF-C7106179F5ED}"/>
+              </a:ext>
+              <a:ext uri="{C183D7F6-B498-43B3-948B-1728B52AA6E4}">
+                <adec:decorative xmlns:adec="http://schemas.microsoft.com/office/drawing/2017/decorative" val="1"/>
+              </a:ext>
+            </a:extLst>
+          </p:cNvPr>
+          <p:cNvSpPr>
+            <a:spLocks noGrp="1" noRot="1" noChangeAspect="1" noMove="1" noResize="1" noEditPoints="1" noAdjustHandles="1" noChangeArrowheads="1" noChangeShapeType="1" noTextEdit="1"/>
+          </p:cNvSpPr>
+          <p:nvPr>
+            <p:extLst>
+              <p:ext uri="{386F3935-93C4-4BCD-93E2-E3B085C9AB24}">
+                <p16:designElem xmlns:p16="http://schemas.microsoft.com/office/powerpoint/2015/main" val="1"/>
+              </p:ext>
+            </p:extLst>
+          </p:nvPr>
+        </p:nvSpPr>
+        <p:spPr>
+          <a:xfrm flipH="1">
+            <a:off x="7604080" y="6453143"/>
+            <a:ext cx="814903" cy="404857"/>
+          </a:xfrm>
+          <a:prstGeom prst="triangle">
+            <a:avLst/>
+          </a:prstGeom>
+          <a:solidFill>
+            <a:schemeClr val="accent1">
+              <a:alpha val="30000"/>
+            </a:schemeClr>
+          </a:solidFill>
+          <a:ln>
+            <a:noFill/>
+          </a:ln>
+        </p:spPr>
+        <p:style>
+          <a:lnRef idx="2">
+            <a:schemeClr val="accent1">
+              <a:shade val="50000"/>
+            </a:schemeClr>
+          </a:lnRef>
+          <a:fillRef idx="1">
+            <a:schemeClr val="accent1"/>
+          </a:fillRef>
+          <a:effectRef idx="0">
+            <a:schemeClr val="accent1"/>
+          </a:effectRef>
+          <a:fontRef idx="minor">
+            <a:schemeClr val="lt1"/>
+          </a:fontRef>
+        </p:style>
+        <p:txBody>
+          <a:bodyPr rtlCol="0" anchor="ctr"/>
+          <a:lstStyle/>
+          <a:p>
+            <a:pPr algn="ctr"/>
+            <a:endParaRPr lang="en-US"/>
+          </a:p>
+        </p:txBody>
+      </p:sp>
+    </p:spTree>
+    <p:extLst>
+      <p:ext uri="{BB962C8B-B14F-4D97-AF65-F5344CB8AC3E}">
+        <p14:creationId xmlns:p14="http://schemas.microsoft.com/office/powerpoint/2010/main" val="2042024187"/>
+      </p:ext>
+    </p:extLst>
+  </p:cSld>
+  <p:clrMapOvr>
+    <a:masterClrMapping/>
+  </p:clrMapOvr>
+</p:sld>
+</file>
+
+<file path=ppt/slides/slide6.xml><?xml version="1.0" encoding="utf-8"?>
+<p:sld xmlns:a="http://schemas.openxmlformats.org/drawingml/2006/main" xmlns:r="http://schemas.openxmlformats.org/officeDocument/2006/relationships" xmlns:p="http://schemas.openxmlformats.org/presentationml/2006/main">
+  <p:cSld>
+    <p:bg>
+      <p:bgPr>
+        <a:solidFill>
+          <a:schemeClr val="bg1"/>
+        </a:solidFill>
+        <a:effectLst/>
+      </p:bgPr>
+    </p:bg>
+    <p:spTree>
+      <p:nvGrpSpPr>
+        <p:cNvPr id="1" name=""/>
+        <p:cNvGrpSpPr/>
+        <p:nvPr/>
+      </p:nvGrpSpPr>
+      <p:grpSpPr>
+        <a:xfrm>
+          <a:off x="0" y="0"/>
+          <a:ext cx="0" cy="0"/>
+          <a:chOff x="0" y="0"/>
+          <a:chExt cx="0" cy="0"/>
+        </a:xfrm>
+      </p:grpSpPr>
+      <p:sp useBgFill="1">
+        <p:nvSpPr>
+          <p:cNvPr id="7" name="Rectangle 6">
+            <a:extLst>
+              <a:ext uri="{FF2B5EF4-FFF2-40B4-BE49-F238E27FC236}">
+                <a16:creationId xmlns:a16="http://schemas.microsoft.com/office/drawing/2014/main" id="{934F1179-B481-4F9E-BCA3-AFB972070F83}"/>
+              </a:ext>
+              <a:ext uri="{C183D7F6-B498-43B3-948B-1728B52AA6E4}">
+                <adec:decorative xmlns:adec="http://schemas.microsoft.com/office/drawing/2017/decorative" val="1"/>
+              </a:ext>
+            </a:extLst>
+          </p:cNvPr>
+          <p:cNvSpPr>
+            <a:spLocks noGrp="1" noRot="1" noChangeAspect="1" noMove="1" noResize="1" noEditPoints="1" noAdjustHandles="1" noChangeArrowheads="1" noChangeShapeType="1" noTextEdit="1"/>
+          </p:cNvSpPr>
+          <p:nvPr>
+            <p:extLst>
+              <p:ext uri="{386F3935-93C4-4BCD-93E2-E3B085C9AB24}">
+                <p16:designElem xmlns:p16="http://schemas.microsoft.com/office/powerpoint/2015/main" val="1"/>
+              </p:ext>
+            </p:extLst>
+          </p:nvPr>
+        </p:nvSpPr>
+        <p:spPr>
+          <a:xfrm>
+            <a:off x="0" y="0"/>
+            <a:ext cx="12192000" cy="6858000"/>
+          </a:xfrm>
+          <a:prstGeom prst="rect">
+            <a:avLst/>
+          </a:prstGeom>
+          <a:ln>
+            <a:noFill/>
+          </a:ln>
+        </p:spPr>
+        <p:style>
+          <a:lnRef idx="2">
+            <a:schemeClr val="accent1">
+              <a:shade val="50000"/>
+            </a:schemeClr>
+          </a:lnRef>
+          <a:fillRef idx="1">
+            <a:schemeClr val="accent1"/>
+          </a:fillRef>
+          <a:effectRef idx="0">
+            <a:schemeClr val="accent1"/>
+          </a:effectRef>
+          <a:fontRef idx="minor">
+            <a:schemeClr val="lt1"/>
+          </a:fontRef>
+        </p:style>
+        <p:txBody>
+          <a:bodyPr rtlCol="0" anchor="ctr"/>
+          <a:lstStyle/>
+          <a:p>
+            <a:pPr algn="ctr"/>
+            <a:endParaRPr lang="en-US"/>
+          </a:p>
+        </p:txBody>
+      </p:sp>
+      <p:sp>
+        <p:nvSpPr>
+          <p:cNvPr id="9" name="Right Triangle 8">
+            <a:extLst>
+              <a:ext uri="{FF2B5EF4-FFF2-40B4-BE49-F238E27FC236}">
+                <a16:creationId xmlns:a16="http://schemas.microsoft.com/office/drawing/2014/main" id="{827DC2C4-B485-428A-BF4A-472D2967F47F}"/>
+              </a:ext>
+              <a:ext uri="{C183D7F6-B498-43B3-948B-1728B52AA6E4}">
+                <adec:decorative xmlns:adec="http://schemas.microsoft.com/office/drawing/2017/decorative" val="1"/>
+              </a:ext>
+            </a:extLst>
+          </p:cNvPr>
+          <p:cNvSpPr>
+            <a:spLocks noGrp="1" noRot="1" noChangeAspect="1" noMove="1" noResize="1" noEditPoints="1" noAdjustHandles="1" noChangeArrowheads="1" noChangeShapeType="1" noTextEdit="1"/>
+          </p:cNvSpPr>
+          <p:nvPr>
+            <p:extLst>
+              <p:ext uri="{386F3935-93C4-4BCD-93E2-E3B085C9AB24}">
+                <p16:designElem xmlns:p16="http://schemas.microsoft.com/office/powerpoint/2015/main" val="1"/>
+              </p:ext>
+            </p:extLst>
+          </p:nvPr>
+        </p:nvSpPr>
+        <p:spPr>
+          <a:xfrm flipH="1">
+            <a:off x="8576720" y="3335867"/>
+            <a:ext cx="3291840" cy="3200400"/>
+          </a:xfrm>
+          <a:prstGeom prst="rtTriangle">
+            <a:avLst/>
+          </a:prstGeom>
+          <a:solidFill>
+            <a:schemeClr val="accent4"/>
+          </a:solidFill>
+          <a:ln>
+            <a:noFill/>
+          </a:ln>
+        </p:spPr>
+        <p:style>
+          <a:lnRef idx="2">
+            <a:schemeClr val="accent1">
+              <a:shade val="50000"/>
+            </a:schemeClr>
+          </a:lnRef>
+          <a:fillRef idx="1">
+            <a:schemeClr val="accent1"/>
+          </a:fillRef>
+          <a:effectRef idx="0">
+            <a:schemeClr val="accent1"/>
+          </a:effectRef>
+          <a:fontRef idx="minor">
+            <a:schemeClr val="lt1"/>
+          </a:fontRef>
+        </p:style>
+        <p:txBody>
+          <a:bodyPr rtlCol="0" anchor="ctr"/>
+          <a:lstStyle/>
+          <a:p>
+            <a:pPr algn="ctr"/>
+            <a:endParaRPr lang="en-US" dirty="0"/>
+          </a:p>
+        </p:txBody>
+      </p:sp>
+      <p:sp>
+        <p:nvSpPr>
+          <p:cNvPr id="11" name="Rectangle 10">
+            <a:extLst>
+              <a:ext uri="{FF2B5EF4-FFF2-40B4-BE49-F238E27FC236}">
+                <a16:creationId xmlns:a16="http://schemas.microsoft.com/office/drawing/2014/main" id="{EE04B5EB-F158-4507-90DD-BD23620C7CC9}"/>
+              </a:ext>
+              <a:ext uri="{C183D7F6-B498-43B3-948B-1728B52AA6E4}">
+                <adec:decorative xmlns:adec="http://schemas.microsoft.com/office/drawing/2017/decorative" val="1"/>
+              </a:ext>
+            </a:extLst>
+          </p:cNvPr>
+          <p:cNvSpPr>
+            <a:spLocks noGrp="1" noRot="1" noChangeAspect="1" noMove="1" noResize="1" noEditPoints="1" noAdjustHandles="1" noChangeArrowheads="1" noChangeShapeType="1" noTextEdit="1"/>
+          </p:cNvSpPr>
+          <p:nvPr>
+            <p:extLst>
+              <p:ext uri="{386F3935-93C4-4BCD-93E2-E3B085C9AB24}">
+                <p16:designElem xmlns:p16="http://schemas.microsoft.com/office/powerpoint/2015/main" val="1"/>
+              </p:ext>
+            </p:extLst>
+          </p:nvPr>
+        </p:nvSpPr>
+        <p:spPr>
+          <a:xfrm>
+            <a:off x="641774" y="623275"/>
+            <a:ext cx="10905053" cy="5607882"/>
+          </a:xfrm>
+          <a:prstGeom prst="rect">
+            <a:avLst/>
+          </a:prstGeom>
+          <a:noFill/>
+          <a:ln w="19050">
+            <a:solidFill>
+              <a:schemeClr val="tx1">
+                <a:lumMod val="75000"/>
+                <a:lumOff val="25000"/>
+              </a:schemeClr>
+            </a:solidFill>
+          </a:ln>
+        </p:spPr>
+        <p:style>
+          <a:lnRef idx="2">
+            <a:schemeClr val="accent1">
+              <a:shade val="50000"/>
+            </a:schemeClr>
+          </a:lnRef>
+          <a:fillRef idx="1">
+            <a:schemeClr val="accent1"/>
+          </a:fillRef>
+          <a:effectRef idx="0">
+            <a:schemeClr val="accent1"/>
+          </a:effectRef>
+          <a:fontRef idx="minor">
+            <a:schemeClr val="lt1"/>
+          </a:fontRef>
+        </p:style>
+        <p:txBody>
+          <a:bodyPr rtlCol="0" anchor="ctr"/>
+          <a:lstStyle/>
+          <a:p>
+            <a:pPr algn="ctr"/>
+            <a:endParaRPr lang="en-US"/>
+          </a:p>
+        </p:txBody>
+      </p:sp>
+      <p:sp>
+        <p:nvSpPr>
+          <p:cNvPr id="2" name="Title 1">
+            <a:extLst>
+              <a:ext uri="{FF2B5EF4-FFF2-40B4-BE49-F238E27FC236}">
+                <a16:creationId xmlns:a16="http://schemas.microsoft.com/office/drawing/2014/main" id="{99AC89DE-9C8C-0A39-9D6B-92AFFA6CC1DF}"/>
+              </a:ext>
+            </a:extLst>
+          </p:cNvPr>
+          <p:cNvSpPr>
+            <a:spLocks noGrp="1"/>
+          </p:cNvSpPr>
+          <p:nvPr>
+            <p:ph type="title"/>
+          </p:nvPr>
+        </p:nvSpPr>
+        <p:spPr>
+          <a:xfrm>
+            <a:off x="1285241" y="1008993"/>
+            <a:ext cx="9231410" cy="3542045"/>
           </a:xfrm>
         </p:spPr>
         <p:txBody>
-          <a:bodyPr/>
+          <a:bodyPr vert="horz" lIns="91440" tIns="45720" rIns="91440" bIns="45720" rtlCol="0" anchor="b">
+            <a:normAutofit/>
+          </a:bodyPr>
           <a:lstStyle/>
           <a:p>
             <a:r>
-              <a:rPr lang="en-US" dirty="0"/>
+              <a:rPr lang="en-US" sz="11500" kern="1200">
+                <a:solidFill>
+                  <a:schemeClr val="tx1"/>
+                </a:solidFill>
+                <a:latin typeface="+mj-lt"/>
+                <a:ea typeface="+mj-ea"/>
+                <a:cs typeface="+mj-cs"/>
+              </a:rPr>
               <a:t>Demo</a:t>
             </a:r>
           </a:p>

--- a/Automated Testing Refinement Proposal.pptx
+++ b/Automated Testing Refinement Proposal.pptx
@@ -5,15 +5,16 @@
     <p:sldMasterId id="2147483648" r:id="rId1"/>
   </p:sldMasterIdLst>
   <p:notesMasterIdLst>
-    <p:notesMasterId r:id="rId8"/>
+    <p:notesMasterId r:id="rId9"/>
   </p:notesMasterIdLst>
   <p:sldIdLst>
     <p:sldId id="256" r:id="rId2"/>
     <p:sldId id="260" r:id="rId3"/>
-    <p:sldId id="261" r:id="rId4"/>
-    <p:sldId id="257" r:id="rId5"/>
-    <p:sldId id="258" r:id="rId6"/>
-    <p:sldId id="259" r:id="rId7"/>
+    <p:sldId id="262" r:id="rId4"/>
+    <p:sldId id="261" r:id="rId5"/>
+    <p:sldId id="257" r:id="rId6"/>
+    <p:sldId id="258" r:id="rId7"/>
+    <p:sldId id="259" r:id="rId8"/>
   </p:sldIdLst>
   <p:sldSz cx="12192000" cy="6858000"/>
   <p:notesSz cx="6858000" cy="9144000"/>
@@ -202,7 +203,7 @@
           <a:p>
             <a:fld id="{6A82B806-40D1-4ECE-AC78-6987831D7146}" type="datetimeFigureOut">
               <a:rPr lang="en-US" smtClean="0"/>
-              <a:t>6/5/2025</a:t>
+              <a:t>6/6/2025</a:t>
             </a:fld>
             <a:endParaRPr lang="en-US"/>
           </a:p>
@@ -534,7 +535,7 @@
           <a:p>
             <a:fld id="{A0E9F198-3222-4179-AA1E-E221065A465D}" type="slidenum">
               <a:rPr lang="en-US" smtClean="0"/>
-              <a:t>4</a:t>
+              <a:t>5</a:t>
             </a:fld>
             <a:endParaRPr lang="en-US"/>
           </a:p>
@@ -700,7 +701,7 @@
           <a:p>
             <a:fld id="{D5D6D89E-CD24-4F75-A5BE-2159720B5314}" type="datetimeFigureOut">
               <a:rPr lang="en-US" smtClean="0"/>
-              <a:t>6/5/2025</a:t>
+              <a:t>6/6/2025</a:t>
             </a:fld>
             <a:endParaRPr lang="en-US"/>
           </a:p>
@@ -898,7 +899,7 @@
           <a:p>
             <a:fld id="{D5D6D89E-CD24-4F75-A5BE-2159720B5314}" type="datetimeFigureOut">
               <a:rPr lang="en-US" smtClean="0"/>
-              <a:t>6/5/2025</a:t>
+              <a:t>6/6/2025</a:t>
             </a:fld>
             <a:endParaRPr lang="en-US"/>
           </a:p>
@@ -1106,7 +1107,7 @@
           <a:p>
             <a:fld id="{D5D6D89E-CD24-4F75-A5BE-2159720B5314}" type="datetimeFigureOut">
               <a:rPr lang="en-US" smtClean="0"/>
-              <a:t>6/5/2025</a:t>
+              <a:t>6/6/2025</a:t>
             </a:fld>
             <a:endParaRPr lang="en-US"/>
           </a:p>
@@ -1304,7 +1305,7 @@
           <a:p>
             <a:fld id="{D5D6D89E-CD24-4F75-A5BE-2159720B5314}" type="datetimeFigureOut">
               <a:rPr lang="en-US" smtClean="0"/>
-              <a:t>6/5/2025</a:t>
+              <a:t>6/6/2025</a:t>
             </a:fld>
             <a:endParaRPr lang="en-US"/>
           </a:p>
@@ -1579,7 +1580,7 @@
           <a:p>
             <a:fld id="{D5D6D89E-CD24-4F75-A5BE-2159720B5314}" type="datetimeFigureOut">
               <a:rPr lang="en-US" smtClean="0"/>
-              <a:t>6/5/2025</a:t>
+              <a:t>6/6/2025</a:t>
             </a:fld>
             <a:endParaRPr lang="en-US"/>
           </a:p>
@@ -1844,7 +1845,7 @@
           <a:p>
             <a:fld id="{D5D6D89E-CD24-4F75-A5BE-2159720B5314}" type="datetimeFigureOut">
               <a:rPr lang="en-US" smtClean="0"/>
-              <a:t>6/5/2025</a:t>
+              <a:t>6/6/2025</a:t>
             </a:fld>
             <a:endParaRPr lang="en-US"/>
           </a:p>
@@ -2256,7 +2257,7 @@
           <a:p>
             <a:fld id="{D5D6D89E-CD24-4F75-A5BE-2159720B5314}" type="datetimeFigureOut">
               <a:rPr lang="en-US" smtClean="0"/>
-              <a:t>6/5/2025</a:t>
+              <a:t>6/6/2025</a:t>
             </a:fld>
             <a:endParaRPr lang="en-US"/>
           </a:p>
@@ -2397,7 +2398,7 @@
           <a:p>
             <a:fld id="{D5D6D89E-CD24-4F75-A5BE-2159720B5314}" type="datetimeFigureOut">
               <a:rPr lang="en-US" smtClean="0"/>
-              <a:t>6/5/2025</a:t>
+              <a:t>6/6/2025</a:t>
             </a:fld>
             <a:endParaRPr lang="en-US"/>
           </a:p>
@@ -2510,7 +2511,7 @@
           <a:p>
             <a:fld id="{D5D6D89E-CD24-4F75-A5BE-2159720B5314}" type="datetimeFigureOut">
               <a:rPr lang="en-US" smtClean="0"/>
-              <a:t>6/5/2025</a:t>
+              <a:t>6/6/2025</a:t>
             </a:fld>
             <a:endParaRPr lang="en-US"/>
           </a:p>
@@ -2821,7 +2822,7 @@
           <a:p>
             <a:fld id="{D5D6D89E-CD24-4F75-A5BE-2159720B5314}" type="datetimeFigureOut">
               <a:rPr lang="en-US" smtClean="0"/>
-              <a:t>6/5/2025</a:t>
+              <a:t>6/6/2025</a:t>
             </a:fld>
             <a:endParaRPr lang="en-US"/>
           </a:p>
@@ -3109,7 +3110,7 @@
           <a:p>
             <a:fld id="{D5D6D89E-CD24-4F75-A5BE-2159720B5314}" type="datetimeFigureOut">
               <a:rPr lang="en-US" smtClean="0"/>
-              <a:t>6/5/2025</a:t>
+              <a:t>6/6/2025</a:t>
             </a:fld>
             <a:endParaRPr lang="en-US"/>
           </a:p>
@@ -3350,7 +3351,7 @@
           <a:p>
             <a:fld id="{D5D6D89E-CD24-4F75-A5BE-2159720B5314}" type="datetimeFigureOut">
               <a:rPr lang="en-US" smtClean="0"/>
-              <a:t>6/5/2025</a:t>
+              <a:t>6/6/2025</a:t>
             </a:fld>
             <a:endParaRPr lang="en-US"/>
           </a:p>
@@ -4681,6 +4682,36 @@
           </a:prstGeom>
         </p:spPr>
       </p:pic>
+      <p:pic>
+        <p:nvPicPr>
+          <p:cNvPr id="3" name="Picture 2">
+            <a:extLst>
+              <a:ext uri="{FF2B5EF4-FFF2-40B4-BE49-F238E27FC236}">
+                <a16:creationId xmlns:a16="http://schemas.microsoft.com/office/drawing/2014/main" id="{CE478AD2-C4E7-BDB9-BB00-D72BEDE5D4F3}"/>
+              </a:ext>
+            </a:extLst>
+          </p:cNvPr>
+          <p:cNvPicPr>
+            <a:picLocks noChangeAspect="1"/>
+          </p:cNvPicPr>
+          <p:nvPr/>
+        </p:nvPicPr>
+        <p:blipFill>
+          <a:blip r:embed="rId4"/>
+          <a:stretch>
+            <a:fillRect/>
+          </a:stretch>
+        </p:blipFill>
+        <p:spPr>
+          <a:xfrm>
+            <a:off x="0" y="314412"/>
+            <a:ext cx="12192000" cy="6229175"/>
+          </a:xfrm>
+          <a:prstGeom prst="rect">
+            <a:avLst/>
+          </a:prstGeom>
+        </p:spPr>
+      </p:pic>
     </p:spTree>
     <p:extLst>
       <p:ext uri="{BB962C8B-B14F-4D97-AF65-F5344CB8AC3E}">
@@ -4707,7 +4738,13 @@
     </p:bg>
     <p:spTree>
       <p:nvGrpSpPr>
-        <p:cNvPr id="1" name=""/>
+        <p:cNvPr id="1" name="">
+          <a:extLst>
+            <a:ext uri="{FF2B5EF4-FFF2-40B4-BE49-F238E27FC236}">
+              <a16:creationId xmlns:a16="http://schemas.microsoft.com/office/drawing/2014/main" id="{FF193B27-5C31-9D79-FFA2-65BA156D529A}"/>
+            </a:ext>
+          </a:extLst>
+        </p:cNvPr>
         <p:cNvGrpSpPr/>
         <p:nvPr/>
       </p:nvGrpSpPr>
@@ -4721,10 +4758,10 @@
       </p:grpSpPr>
       <p:sp>
         <p:nvSpPr>
-          <p:cNvPr id="12" name="Rectangle 11">
-            <a:extLst>
-              <a:ext uri="{FF2B5EF4-FFF2-40B4-BE49-F238E27FC236}">
-                <a16:creationId xmlns:a16="http://schemas.microsoft.com/office/drawing/2014/main" id="{F3060C83-F051-4F0E-ABAD-AA0DFC48B218}"/>
+          <p:cNvPr id="23" name="Rectangle 22">
+            <a:extLst>
+              <a:ext uri="{FF2B5EF4-FFF2-40B4-BE49-F238E27FC236}">
+                <a16:creationId xmlns:a16="http://schemas.microsoft.com/office/drawing/2014/main" id="{BDCD886F-C40D-F6F4-08CF-B4C50B824BD5}"/>
               </a:ext>
               <a:ext uri="{C183D7F6-B498-43B3-948B-1728B52AA6E4}">
                 <adec:decorative xmlns:adec="http://schemas.microsoft.com/office/drawing/2017/decorative" val="1"/>
@@ -4784,10 +4821,10 @@
       </p:sp>
       <p:sp>
         <p:nvSpPr>
-          <p:cNvPr id="14" name="Freeform: Shape 13">
-            <a:extLst>
-              <a:ext uri="{FF2B5EF4-FFF2-40B4-BE49-F238E27FC236}">
-                <a16:creationId xmlns:a16="http://schemas.microsoft.com/office/drawing/2014/main" id="{83C98ABE-055B-441F-B07E-44F97F083C39}"/>
+          <p:cNvPr id="25" name="Freeform: Shape 24">
+            <a:extLst>
+              <a:ext uri="{FF2B5EF4-FFF2-40B4-BE49-F238E27FC236}">
+                <a16:creationId xmlns:a16="http://schemas.microsoft.com/office/drawing/2014/main" id="{E126D4B1-0E71-A7D7-BAC4-34042ADDDB7A}"/>
               </a:ext>
               <a:ext uri="{C183D7F6-B498-43B3-948B-1728B52AA6E4}">
                 <adec:decorative xmlns:adec="http://schemas.microsoft.com/office/drawing/2017/decorative" val="1"/>
@@ -4900,10 +4937,10 @@
       </p:sp>
       <p:sp>
         <p:nvSpPr>
-          <p:cNvPr id="16" name="Rectangle 15">
-            <a:extLst>
-              <a:ext uri="{FF2B5EF4-FFF2-40B4-BE49-F238E27FC236}">
-                <a16:creationId xmlns:a16="http://schemas.microsoft.com/office/drawing/2014/main" id="{29FDB030-9B49-4CED-8CCD-4D99382388AC}"/>
+          <p:cNvPr id="27" name="Rectangle 26">
+            <a:extLst>
+              <a:ext uri="{FF2B5EF4-FFF2-40B4-BE49-F238E27FC236}">
+                <a16:creationId xmlns:a16="http://schemas.microsoft.com/office/drawing/2014/main" id="{01C54730-040C-BCD7-C803-7E0192B237B8}"/>
               </a:ext>
               <a:ext uri="{C183D7F6-B498-43B3-948B-1728B52AA6E4}">
                 <adec:decorative xmlns:adec="http://schemas.microsoft.com/office/drawing/2017/decorative" val="1"/>
@@ -4965,10 +5002,10 @@
       </p:sp>
       <p:sp>
         <p:nvSpPr>
-          <p:cNvPr id="18" name="Rectangle 17">
-            <a:extLst>
-              <a:ext uri="{FF2B5EF4-FFF2-40B4-BE49-F238E27FC236}">
-                <a16:creationId xmlns:a16="http://schemas.microsoft.com/office/drawing/2014/main" id="{3783CA14-24A1-485C-8B30-D6A5D87987AD}"/>
+          <p:cNvPr id="29" name="Rectangle 28">
+            <a:extLst>
+              <a:ext uri="{FF2B5EF4-FFF2-40B4-BE49-F238E27FC236}">
+                <a16:creationId xmlns:a16="http://schemas.microsoft.com/office/drawing/2014/main" id="{C9C4230A-0C06-194F-2CE5-90AF0A09443F}"/>
               </a:ext>
               <a:ext uri="{C183D7F6-B498-43B3-948B-1728B52AA6E4}">
                 <adec:decorative xmlns:adec="http://schemas.microsoft.com/office/drawing/2017/decorative" val="1"/>
@@ -5030,10 +5067,10 @@
       </p:sp>
       <p:sp>
         <p:nvSpPr>
-          <p:cNvPr id="20" name="Freeform: Shape 19">
-            <a:extLst>
-              <a:ext uri="{FF2B5EF4-FFF2-40B4-BE49-F238E27FC236}">
-                <a16:creationId xmlns:a16="http://schemas.microsoft.com/office/drawing/2014/main" id="{9A97C86A-04D6-40F7-AE84-31AB43E6A846}"/>
+          <p:cNvPr id="31" name="Freeform: Shape 30">
+            <a:extLst>
+              <a:ext uri="{FF2B5EF4-FFF2-40B4-BE49-F238E27FC236}">
+                <a16:creationId xmlns:a16="http://schemas.microsoft.com/office/drawing/2014/main" id="{532ED023-0434-460E-0F42-7C927A657D3B}"/>
               </a:ext>
               <a:ext uri="{C183D7F6-B498-43B3-948B-1728B52AA6E4}">
                 <adec:decorative xmlns:adec="http://schemas.microsoft.com/office/drawing/2017/decorative" val="1"/>
@@ -5140,10 +5177,10 @@
       </p:sp>
       <p:sp>
         <p:nvSpPr>
-          <p:cNvPr id="22" name="Isosceles Triangle 21">
-            <a:extLst>
-              <a:ext uri="{FF2B5EF4-FFF2-40B4-BE49-F238E27FC236}">
-                <a16:creationId xmlns:a16="http://schemas.microsoft.com/office/drawing/2014/main" id="{FF9F2414-84E8-453E-B1F3-389FDE8192D9}"/>
+          <p:cNvPr id="33" name="Isosceles Triangle 32">
+            <a:extLst>
+              <a:ext uri="{FF2B5EF4-FFF2-40B4-BE49-F238E27FC236}">
+                <a16:creationId xmlns:a16="http://schemas.microsoft.com/office/drawing/2014/main" id="{C040AACC-481F-3946-E119-CE165D4F8C98}"/>
               </a:ext>
               <a:ext uri="{C183D7F6-B498-43B3-948B-1728B52AA6E4}">
                 <adec:decorative xmlns:adec="http://schemas.microsoft.com/office/drawing/2017/decorative" val="1"/>
@@ -5205,10 +5242,10 @@
       </p:sp>
       <p:pic>
         <p:nvPicPr>
-          <p:cNvPr id="7" name="Picture 6" descr="A diagram of a software development process&#10;&#10;AI-generated content may be incorrect.">
-            <a:extLst>
-              <a:ext uri="{FF2B5EF4-FFF2-40B4-BE49-F238E27FC236}">
-                <a16:creationId xmlns:a16="http://schemas.microsoft.com/office/drawing/2014/main" id="{3821F8EB-DF55-9893-1471-2BA85C63BB0D}"/>
+          <p:cNvPr id="7" name="Picture 6">
+            <a:extLst>
+              <a:ext uri="{FF2B5EF4-FFF2-40B4-BE49-F238E27FC236}">
+                <a16:creationId xmlns:a16="http://schemas.microsoft.com/office/drawing/2014/main" id="{64D7054A-E80C-4C6A-AFCE-FDF31CBE32A4}"/>
               </a:ext>
             </a:extLst>
           </p:cNvPr>
@@ -5219,14 +5256,15 @@
         </p:nvPicPr>
         <p:blipFill>
           <a:blip r:embed="rId2"/>
+          <a:srcRect l="359" r="1" b="1"/>
           <a:stretch>
             <a:fillRect/>
           </a:stretch>
         </p:blipFill>
         <p:spPr>
           <a:xfrm>
-            <a:off x="4236657" y="643467"/>
-            <a:ext cx="3718685" cy="5571065"/>
+            <a:off x="653780" y="643467"/>
+            <a:ext cx="10884439" cy="5571065"/>
           </a:xfrm>
           <a:prstGeom prst="rect">
             <a:avLst/>
@@ -5238,10 +5276,10 @@
       </p:pic>
       <p:sp>
         <p:nvSpPr>
-          <p:cNvPr id="24" name="Isosceles Triangle 23">
-            <a:extLst>
-              <a:ext uri="{FF2B5EF4-FFF2-40B4-BE49-F238E27FC236}">
-                <a16:creationId xmlns:a16="http://schemas.microsoft.com/office/drawing/2014/main" id="{3ECA69A1-7536-43AC-85EF-C7106179F5ED}"/>
+          <p:cNvPr id="35" name="Isosceles Triangle 34">
+            <a:extLst>
+              <a:ext uri="{FF2B5EF4-FFF2-40B4-BE49-F238E27FC236}">
+                <a16:creationId xmlns:a16="http://schemas.microsoft.com/office/drawing/2014/main" id="{F3407A21-8FA9-CDDA-D098-4419EBDF06A8}"/>
               </a:ext>
               <a:ext uri="{C183D7F6-B498-43B3-948B-1728B52AA6E4}">
                 <adec:decorative xmlns:adec="http://schemas.microsoft.com/office/drawing/2017/decorative" val="1"/>
@@ -5301,10 +5339,130 @@
           </a:p>
         </p:txBody>
       </p:sp>
+      <p:pic>
+        <p:nvPicPr>
+          <p:cNvPr id="9" name="Picture 8">
+            <a:extLst>
+              <a:ext uri="{FF2B5EF4-FFF2-40B4-BE49-F238E27FC236}">
+                <a16:creationId xmlns:a16="http://schemas.microsoft.com/office/drawing/2014/main" id="{854D5D9F-9984-F07D-D928-E20C3C2804F3}"/>
+              </a:ext>
+            </a:extLst>
+          </p:cNvPr>
+          <p:cNvPicPr>
+            <a:picLocks noChangeAspect="1"/>
+          </p:cNvPicPr>
+          <p:nvPr/>
+        </p:nvPicPr>
+        <p:blipFill>
+          <a:blip r:embed="rId2"/>
+          <a:stretch>
+            <a:fillRect/>
+          </a:stretch>
+        </p:blipFill>
+        <p:spPr>
+          <a:xfrm>
+            <a:off x="0" y="321568"/>
+            <a:ext cx="12192000" cy="6214864"/>
+          </a:xfrm>
+          <a:prstGeom prst="rect">
+            <a:avLst/>
+          </a:prstGeom>
+        </p:spPr>
+      </p:pic>
+      <p:pic>
+        <p:nvPicPr>
+          <p:cNvPr id="11" name="Picture 10">
+            <a:extLst>
+              <a:ext uri="{FF2B5EF4-FFF2-40B4-BE49-F238E27FC236}">
+                <a16:creationId xmlns:a16="http://schemas.microsoft.com/office/drawing/2014/main" id="{40EE43A0-814C-291A-E8B9-64CCDD3F1AD4}"/>
+              </a:ext>
+            </a:extLst>
+          </p:cNvPr>
+          <p:cNvPicPr>
+            <a:picLocks noChangeAspect="1"/>
+          </p:cNvPicPr>
+          <p:nvPr/>
+        </p:nvPicPr>
+        <p:blipFill>
+          <a:blip r:embed="rId3"/>
+          <a:stretch>
+            <a:fillRect/>
+          </a:stretch>
+        </p:blipFill>
+        <p:spPr>
+          <a:xfrm>
+            <a:off x="0" y="353193"/>
+            <a:ext cx="12192000" cy="6151613"/>
+          </a:xfrm>
+          <a:prstGeom prst="rect">
+            <a:avLst/>
+          </a:prstGeom>
+        </p:spPr>
+      </p:pic>
+      <p:pic>
+        <p:nvPicPr>
+          <p:cNvPr id="3" name="Picture 2">
+            <a:extLst>
+              <a:ext uri="{FF2B5EF4-FFF2-40B4-BE49-F238E27FC236}">
+                <a16:creationId xmlns:a16="http://schemas.microsoft.com/office/drawing/2014/main" id="{E34D026F-C9C4-BCFD-DAC7-2746FB6F5586}"/>
+              </a:ext>
+            </a:extLst>
+          </p:cNvPr>
+          <p:cNvPicPr>
+            <a:picLocks noChangeAspect="1"/>
+          </p:cNvPicPr>
+          <p:nvPr/>
+        </p:nvPicPr>
+        <p:blipFill>
+          <a:blip r:embed="rId4"/>
+          <a:stretch>
+            <a:fillRect/>
+          </a:stretch>
+        </p:blipFill>
+        <p:spPr>
+          <a:xfrm>
+            <a:off x="0" y="314412"/>
+            <a:ext cx="12192000" cy="6229175"/>
+          </a:xfrm>
+          <a:prstGeom prst="rect">
+            <a:avLst/>
+          </a:prstGeom>
+        </p:spPr>
+      </p:pic>
+      <p:pic>
+        <p:nvPicPr>
+          <p:cNvPr id="4" name="Picture 3">
+            <a:extLst>
+              <a:ext uri="{FF2B5EF4-FFF2-40B4-BE49-F238E27FC236}">
+                <a16:creationId xmlns:a16="http://schemas.microsoft.com/office/drawing/2014/main" id="{A442B7F3-B9B3-6F15-87AC-D931E79520FC}"/>
+              </a:ext>
+            </a:extLst>
+          </p:cNvPr>
+          <p:cNvPicPr>
+            <a:picLocks noChangeAspect="1"/>
+          </p:cNvPicPr>
+          <p:nvPr/>
+        </p:nvPicPr>
+        <p:blipFill>
+          <a:blip r:embed="rId5"/>
+          <a:stretch>
+            <a:fillRect/>
+          </a:stretch>
+        </p:blipFill>
+        <p:spPr>
+          <a:xfrm>
+            <a:off x="0" y="303726"/>
+            <a:ext cx="12192000" cy="6250547"/>
+          </a:xfrm>
+          <a:prstGeom prst="rect">
+            <a:avLst/>
+          </a:prstGeom>
+        </p:spPr>
+      </p:pic>
     </p:spTree>
     <p:extLst>
       <p:ext uri="{BB962C8B-B14F-4D97-AF65-F5344CB8AC3E}">
-        <p14:creationId xmlns:p14="http://schemas.microsoft.com/office/powerpoint/2010/main" val="2064725996"/>
+        <p14:creationId xmlns:p14="http://schemas.microsoft.com/office/powerpoint/2010/main" val="3009936754"/>
       </p:ext>
     </p:extLst>
   </p:cSld>
@@ -5341,7 +5499,7 @@
       </p:grpSpPr>
       <p:sp>
         <p:nvSpPr>
-          <p:cNvPr id="21" name="Rectangle 20">
+          <p:cNvPr id="12" name="Rectangle 11">
             <a:extLst>
               <a:ext uri="{FF2B5EF4-FFF2-40B4-BE49-F238E27FC236}">
                 <a16:creationId xmlns:a16="http://schemas.microsoft.com/office/drawing/2014/main" id="{F3060C83-F051-4F0E-ABAD-AA0DFC48B218}"/>
@@ -5404,7 +5562,7 @@
       </p:sp>
       <p:sp>
         <p:nvSpPr>
-          <p:cNvPr id="23" name="Freeform: Shape 22">
+          <p:cNvPr id="14" name="Freeform: Shape 13">
             <a:extLst>
               <a:ext uri="{FF2B5EF4-FFF2-40B4-BE49-F238E27FC236}">
                 <a16:creationId xmlns:a16="http://schemas.microsoft.com/office/drawing/2014/main" id="{83C98ABE-055B-441F-B07E-44F97F083C39}"/>
@@ -5520,7 +5678,7 @@
       </p:sp>
       <p:sp>
         <p:nvSpPr>
-          <p:cNvPr id="25" name="Rectangle 24">
+          <p:cNvPr id="16" name="Rectangle 15">
             <a:extLst>
               <a:ext uri="{FF2B5EF4-FFF2-40B4-BE49-F238E27FC236}">
                 <a16:creationId xmlns:a16="http://schemas.microsoft.com/office/drawing/2014/main" id="{29FDB030-9B49-4CED-8CCD-4D99382388AC}"/>
@@ -5585,7 +5743,7 @@
       </p:sp>
       <p:sp>
         <p:nvSpPr>
-          <p:cNvPr id="27" name="Rectangle 26">
+          <p:cNvPr id="18" name="Rectangle 17">
             <a:extLst>
               <a:ext uri="{FF2B5EF4-FFF2-40B4-BE49-F238E27FC236}">
                 <a16:creationId xmlns:a16="http://schemas.microsoft.com/office/drawing/2014/main" id="{3783CA14-24A1-485C-8B30-D6A5D87987AD}"/>
@@ -5650,7 +5808,7 @@
       </p:sp>
       <p:sp>
         <p:nvSpPr>
-          <p:cNvPr id="29" name="Freeform: Shape 28">
+          <p:cNvPr id="20" name="Freeform: Shape 19">
             <a:extLst>
               <a:ext uri="{FF2B5EF4-FFF2-40B4-BE49-F238E27FC236}">
                 <a16:creationId xmlns:a16="http://schemas.microsoft.com/office/drawing/2014/main" id="{9A97C86A-04D6-40F7-AE84-31AB43E6A846}"/>
@@ -5760,7 +5918,7 @@
       </p:sp>
       <p:sp>
         <p:nvSpPr>
-          <p:cNvPr id="31" name="Isosceles Triangle 30">
+          <p:cNvPr id="22" name="Isosceles Triangle 21">
             <a:extLst>
               <a:ext uri="{FF2B5EF4-FFF2-40B4-BE49-F238E27FC236}">
                 <a16:creationId xmlns:a16="http://schemas.microsoft.com/office/drawing/2014/main" id="{FF9F2414-84E8-453E-B1F3-389FDE8192D9}"/>
@@ -5825,37 +5983,28 @@
       </p:sp>
       <p:pic>
         <p:nvPicPr>
-          <p:cNvPr id="5" name="Content Placeholder 4" descr="A blue and white table with text&#10;&#10;AI-generated content may be incorrect.">
-            <a:extLst>
-              <a:ext uri="{FF2B5EF4-FFF2-40B4-BE49-F238E27FC236}">
-                <a16:creationId xmlns:a16="http://schemas.microsoft.com/office/drawing/2014/main" id="{985FD7B5-30CF-EE6D-592D-E17BE6D3D869}"/>
+          <p:cNvPr id="7" name="Picture 6" descr="A diagram of a software development process&#10;&#10;AI-generated content may be incorrect.">
+            <a:extLst>
+              <a:ext uri="{FF2B5EF4-FFF2-40B4-BE49-F238E27FC236}">
+                <a16:creationId xmlns:a16="http://schemas.microsoft.com/office/drawing/2014/main" id="{3821F8EB-DF55-9893-1471-2BA85C63BB0D}"/>
               </a:ext>
             </a:extLst>
           </p:cNvPr>
           <p:cNvPicPr>
-            <a:picLocks noGrp="1" noChangeAspect="1"/>
+            <a:picLocks noChangeAspect="1"/>
           </p:cNvPicPr>
-          <p:nvPr>
-            <p:ph idx="1"/>
-          </p:nvPr>
+          <p:nvPr/>
         </p:nvPicPr>
         <p:blipFill>
-          <a:blip r:embed="rId3">
-            <a:extLst>
-              <a:ext uri="{28A0092B-C50C-407E-A947-70E740481C1C}">
-                <a14:useLocalDpi xmlns:a14="http://schemas.microsoft.com/office/drawing/2010/main" val="0"/>
-              </a:ext>
-            </a:extLst>
-          </a:blip>
-          <a:srcRect b="12879"/>
+          <a:blip r:embed="rId2"/>
           <a:stretch>
             <a:fillRect/>
           </a:stretch>
         </p:blipFill>
         <p:spPr>
           <a:xfrm>
-            <a:off x="653759" y="643467"/>
-            <a:ext cx="10884481" cy="5571065"/>
+            <a:off x="4236657" y="643467"/>
+            <a:ext cx="3718685" cy="5571065"/>
           </a:xfrm>
           <a:prstGeom prst="rect">
             <a:avLst/>
@@ -5867,7 +6016,7 @@
       </p:pic>
       <p:sp>
         <p:nvSpPr>
-          <p:cNvPr id="33" name="Isosceles Triangle 32">
+          <p:cNvPr id="24" name="Isosceles Triangle 23">
             <a:extLst>
               <a:ext uri="{FF2B5EF4-FFF2-40B4-BE49-F238E27FC236}">
                 <a16:creationId xmlns:a16="http://schemas.microsoft.com/office/drawing/2014/main" id="{3ECA69A1-7536-43AC-85EF-C7106179F5ED}"/>
@@ -5933,7 +6082,7 @@
     </p:spTree>
     <p:extLst>
       <p:ext uri="{BB962C8B-B14F-4D97-AF65-F5344CB8AC3E}">
-        <p14:creationId xmlns:p14="http://schemas.microsoft.com/office/powerpoint/2010/main" val="1703398727"/>
+        <p14:creationId xmlns:p14="http://schemas.microsoft.com/office/powerpoint/2010/main" val="2064725996"/>
       </p:ext>
     </p:extLst>
   </p:cSld>
@@ -5970,7 +6119,7 @@
       </p:grpSpPr>
       <p:sp>
         <p:nvSpPr>
-          <p:cNvPr id="10" name="Rectangle 9">
+          <p:cNvPr id="21" name="Rectangle 20">
             <a:extLst>
               <a:ext uri="{FF2B5EF4-FFF2-40B4-BE49-F238E27FC236}">
                 <a16:creationId xmlns:a16="http://schemas.microsoft.com/office/drawing/2014/main" id="{F3060C83-F051-4F0E-ABAD-AA0DFC48B218}"/>
@@ -6033,7 +6182,7 @@
       </p:sp>
       <p:sp>
         <p:nvSpPr>
-          <p:cNvPr id="12" name="Freeform: Shape 11">
+          <p:cNvPr id="23" name="Freeform: Shape 22">
             <a:extLst>
               <a:ext uri="{FF2B5EF4-FFF2-40B4-BE49-F238E27FC236}">
                 <a16:creationId xmlns:a16="http://schemas.microsoft.com/office/drawing/2014/main" id="{83C98ABE-055B-441F-B07E-44F97F083C39}"/>
@@ -6149,7 +6298,7 @@
       </p:sp>
       <p:sp>
         <p:nvSpPr>
-          <p:cNvPr id="14" name="Rectangle 13">
+          <p:cNvPr id="25" name="Rectangle 24">
             <a:extLst>
               <a:ext uri="{FF2B5EF4-FFF2-40B4-BE49-F238E27FC236}">
                 <a16:creationId xmlns:a16="http://schemas.microsoft.com/office/drawing/2014/main" id="{29FDB030-9B49-4CED-8CCD-4D99382388AC}"/>
@@ -6214,7 +6363,7 @@
       </p:sp>
       <p:sp>
         <p:nvSpPr>
-          <p:cNvPr id="16" name="Rectangle 15">
+          <p:cNvPr id="27" name="Rectangle 26">
             <a:extLst>
               <a:ext uri="{FF2B5EF4-FFF2-40B4-BE49-F238E27FC236}">
                 <a16:creationId xmlns:a16="http://schemas.microsoft.com/office/drawing/2014/main" id="{3783CA14-24A1-485C-8B30-D6A5D87987AD}"/>
@@ -6279,7 +6428,7 @@
       </p:sp>
       <p:sp>
         <p:nvSpPr>
-          <p:cNvPr id="18" name="Freeform: Shape 17">
+          <p:cNvPr id="29" name="Freeform: Shape 28">
             <a:extLst>
               <a:ext uri="{FF2B5EF4-FFF2-40B4-BE49-F238E27FC236}">
                 <a16:creationId xmlns:a16="http://schemas.microsoft.com/office/drawing/2014/main" id="{9A97C86A-04D6-40F7-AE84-31AB43E6A846}"/>
@@ -6389,7 +6538,7 @@
       </p:sp>
       <p:sp>
         <p:nvSpPr>
-          <p:cNvPr id="20" name="Isosceles Triangle 19">
+          <p:cNvPr id="31" name="Isosceles Triangle 30">
             <a:extLst>
               <a:ext uri="{FF2B5EF4-FFF2-40B4-BE49-F238E27FC236}">
                 <a16:creationId xmlns:a16="http://schemas.microsoft.com/office/drawing/2014/main" id="{FF9F2414-84E8-453E-B1F3-389FDE8192D9}"/>
@@ -6454,28 +6603,37 @@
       </p:sp>
       <p:pic>
         <p:nvPicPr>
-          <p:cNvPr id="5" name="Picture 4">
-            <a:extLst>
-              <a:ext uri="{FF2B5EF4-FFF2-40B4-BE49-F238E27FC236}">
-                <a16:creationId xmlns:a16="http://schemas.microsoft.com/office/drawing/2014/main" id="{213B6238-D538-EB4C-89D7-3AAD5FB79508}"/>
+          <p:cNvPr id="5" name="Content Placeholder 4" descr="A blue and white table with text&#10;&#10;AI-generated content may be incorrect.">
+            <a:extLst>
+              <a:ext uri="{FF2B5EF4-FFF2-40B4-BE49-F238E27FC236}">
+                <a16:creationId xmlns:a16="http://schemas.microsoft.com/office/drawing/2014/main" id="{985FD7B5-30CF-EE6D-592D-E17BE6D3D869}"/>
               </a:ext>
             </a:extLst>
           </p:cNvPr>
           <p:cNvPicPr>
-            <a:picLocks noChangeAspect="1"/>
+            <a:picLocks noGrp="1" noChangeAspect="1"/>
           </p:cNvPicPr>
-          <p:nvPr/>
+          <p:nvPr>
+            <p:ph idx="1"/>
+          </p:nvPr>
         </p:nvPicPr>
         <p:blipFill>
-          <a:blip r:embed="rId2"/>
+          <a:blip r:embed="rId3">
+            <a:extLst>
+              <a:ext uri="{28A0092B-C50C-407E-A947-70E740481C1C}">
+                <a14:useLocalDpi xmlns:a14="http://schemas.microsoft.com/office/drawing/2010/main" val="0"/>
+              </a:ext>
+            </a:extLst>
+          </a:blip>
+          <a:srcRect b="12879"/>
           <a:stretch>
             <a:fillRect/>
           </a:stretch>
         </p:blipFill>
         <p:spPr>
           <a:xfrm>
-            <a:off x="643467" y="839045"/>
-            <a:ext cx="10905066" cy="5179908"/>
+            <a:off x="653759" y="643467"/>
+            <a:ext cx="10884481" cy="5571065"/>
           </a:xfrm>
           <a:prstGeom prst="rect">
             <a:avLst/>
@@ -6487,7 +6645,7 @@
       </p:pic>
       <p:sp>
         <p:nvSpPr>
-          <p:cNvPr id="22" name="Isosceles Triangle 21">
+          <p:cNvPr id="33" name="Isosceles Triangle 32">
             <a:extLst>
               <a:ext uri="{FF2B5EF4-FFF2-40B4-BE49-F238E27FC236}">
                 <a16:creationId xmlns:a16="http://schemas.microsoft.com/office/drawing/2014/main" id="{3ECA69A1-7536-43AC-85EF-C7106179F5ED}"/>
@@ -6553,6 +6711,626 @@
     </p:spTree>
     <p:extLst>
       <p:ext uri="{BB962C8B-B14F-4D97-AF65-F5344CB8AC3E}">
+        <p14:creationId xmlns:p14="http://schemas.microsoft.com/office/powerpoint/2010/main" val="1703398727"/>
+      </p:ext>
+    </p:extLst>
+  </p:cSld>
+  <p:clrMapOvr>
+    <a:masterClrMapping/>
+  </p:clrMapOvr>
+</p:sld>
+</file>
+
+<file path=ppt/slides/slide6.xml><?xml version="1.0" encoding="utf-8"?>
+<p:sld xmlns:a="http://schemas.openxmlformats.org/drawingml/2006/main" xmlns:r="http://schemas.openxmlformats.org/officeDocument/2006/relationships" xmlns:p="http://schemas.openxmlformats.org/presentationml/2006/main">
+  <p:cSld>
+    <p:bg>
+      <p:bgPr>
+        <a:solidFill>
+          <a:schemeClr val="bg1"/>
+        </a:solidFill>
+        <a:effectLst/>
+      </p:bgPr>
+    </p:bg>
+    <p:spTree>
+      <p:nvGrpSpPr>
+        <p:cNvPr id="1" name=""/>
+        <p:cNvGrpSpPr/>
+        <p:nvPr/>
+      </p:nvGrpSpPr>
+      <p:grpSpPr>
+        <a:xfrm>
+          <a:off x="0" y="0"/>
+          <a:ext cx="0" cy="0"/>
+          <a:chOff x="0" y="0"/>
+          <a:chExt cx="0" cy="0"/>
+        </a:xfrm>
+      </p:grpSpPr>
+      <p:sp>
+        <p:nvSpPr>
+          <p:cNvPr id="10" name="Rectangle 9">
+            <a:extLst>
+              <a:ext uri="{FF2B5EF4-FFF2-40B4-BE49-F238E27FC236}">
+                <a16:creationId xmlns:a16="http://schemas.microsoft.com/office/drawing/2014/main" id="{F3060C83-F051-4F0E-ABAD-AA0DFC48B218}"/>
+              </a:ext>
+              <a:ext uri="{C183D7F6-B498-43B3-948B-1728B52AA6E4}">
+                <adec:decorative xmlns:adec="http://schemas.microsoft.com/office/drawing/2017/decorative" val="1"/>
+              </a:ext>
+            </a:extLst>
+          </p:cNvPr>
+          <p:cNvSpPr>
+            <a:spLocks noGrp="1" noRot="1" noChangeAspect="1" noMove="1" noResize="1" noEditPoints="1" noAdjustHandles="1" noChangeArrowheads="1" noChangeShapeType="1" noTextEdit="1"/>
+          </p:cNvSpPr>
+          <p:nvPr>
+            <p:extLst>
+              <p:ext uri="{386F3935-93C4-4BCD-93E2-E3B085C9AB24}">
+                <p16:designElem xmlns:p16="http://schemas.microsoft.com/office/powerpoint/2015/main" val="1"/>
+              </p:ext>
+            </p:extLst>
+          </p:nvPr>
+        </p:nvSpPr>
+        <p:spPr>
+          <a:xfrm>
+            <a:off x="0" y="0"/>
+            <a:ext cx="12192000" cy="6858000"/>
+          </a:xfrm>
+          <a:prstGeom prst="rect">
+            <a:avLst/>
+          </a:prstGeom>
+          <a:solidFill>
+            <a:schemeClr val="bg1"/>
+          </a:solidFill>
+          <a:ln>
+            <a:noFill/>
+          </a:ln>
+        </p:spPr>
+        <p:style>
+          <a:lnRef idx="2">
+            <a:schemeClr val="accent1">
+              <a:shade val="50000"/>
+            </a:schemeClr>
+          </a:lnRef>
+          <a:fillRef idx="1">
+            <a:schemeClr val="accent1"/>
+          </a:fillRef>
+          <a:effectRef idx="0">
+            <a:schemeClr val="accent1"/>
+          </a:effectRef>
+          <a:fontRef idx="minor">
+            <a:schemeClr val="lt1"/>
+          </a:fontRef>
+        </p:style>
+        <p:txBody>
+          <a:bodyPr rtlCol="0" anchor="ctr"/>
+          <a:lstStyle/>
+          <a:p>
+            <a:pPr algn="ctr"/>
+            <a:endParaRPr lang="en-US" dirty="0"/>
+          </a:p>
+        </p:txBody>
+      </p:sp>
+      <p:sp>
+        <p:nvSpPr>
+          <p:cNvPr id="12" name="Freeform: Shape 11">
+            <a:extLst>
+              <a:ext uri="{FF2B5EF4-FFF2-40B4-BE49-F238E27FC236}">
+                <a16:creationId xmlns:a16="http://schemas.microsoft.com/office/drawing/2014/main" id="{83C98ABE-055B-441F-B07E-44F97F083C39}"/>
+              </a:ext>
+              <a:ext uri="{C183D7F6-B498-43B3-948B-1728B52AA6E4}">
+                <adec:decorative xmlns:adec="http://schemas.microsoft.com/office/drawing/2017/decorative" val="1"/>
+              </a:ext>
+            </a:extLst>
+          </p:cNvPr>
+          <p:cNvSpPr>
+            <a:spLocks noGrp="1" noRot="1" noChangeAspect="1" noMove="1" noResize="1" noEditPoints="1" noAdjustHandles="1" noChangeArrowheads="1" noChangeShapeType="1" noTextEdit="1"/>
+          </p:cNvSpPr>
+          <p:nvPr>
+            <p:extLst>
+              <p:ext uri="{386F3935-93C4-4BCD-93E2-E3B085C9AB24}">
+                <p16:designElem xmlns:p16="http://schemas.microsoft.com/office/powerpoint/2015/main" val="1"/>
+              </p:ext>
+            </p:extLst>
+          </p:nvPr>
+        </p:nvSpPr>
+        <p:spPr>
+          <a:xfrm rot="18900000" flipH="1">
+            <a:off x="-376156" y="-253670"/>
+            <a:ext cx="1827638" cy="1376989"/>
+          </a:xfrm>
+          <a:custGeom>
+            <a:avLst/>
+            <a:gdLst>
+              <a:gd name="connsiteX0" fmla="*/ 0 w 1827638"/>
+              <a:gd name="connsiteY0" fmla="*/ 987379 h 1376989"/>
+              <a:gd name="connsiteX1" fmla="*/ 987379 w 1827638"/>
+              <a:gd name="connsiteY1" fmla="*/ 0 h 1376989"/>
+              <a:gd name="connsiteX2" fmla="*/ 1827638 w 1827638"/>
+              <a:gd name="connsiteY2" fmla="*/ 840260 h 1376989"/>
+              <a:gd name="connsiteX3" fmla="*/ 1827638 w 1827638"/>
+              <a:gd name="connsiteY3" fmla="*/ 1376989 h 1376989"/>
+              <a:gd name="connsiteX4" fmla="*/ 0 w 1827638"/>
+              <a:gd name="connsiteY4" fmla="*/ 1376989 h 1376989"/>
+            </a:gdLst>
+            <a:ahLst/>
+            <a:cxnLst>
+              <a:cxn ang="0">
+                <a:pos x="connsiteX0" y="connsiteY0"/>
+              </a:cxn>
+              <a:cxn ang="0">
+                <a:pos x="connsiteX1" y="connsiteY1"/>
+              </a:cxn>
+              <a:cxn ang="0">
+                <a:pos x="connsiteX2" y="connsiteY2"/>
+              </a:cxn>
+              <a:cxn ang="0">
+                <a:pos x="connsiteX3" y="connsiteY3"/>
+              </a:cxn>
+              <a:cxn ang="0">
+                <a:pos x="connsiteX4" y="connsiteY4"/>
+              </a:cxn>
+            </a:cxnLst>
+            <a:rect l="l" t="t" r="r" b="b"/>
+            <a:pathLst>
+              <a:path w="1827638" h="1376989">
+                <a:moveTo>
+                  <a:pt x="0" y="987379"/>
+                </a:moveTo>
+                <a:lnTo>
+                  <a:pt x="987379" y="0"/>
+                </a:lnTo>
+                <a:lnTo>
+                  <a:pt x="1827638" y="840260"/>
+                </a:lnTo>
+                <a:lnTo>
+                  <a:pt x="1827638" y="1376989"/>
+                </a:lnTo>
+                <a:lnTo>
+                  <a:pt x="0" y="1376989"/>
+                </a:lnTo>
+                <a:close/>
+              </a:path>
+            </a:pathLst>
+          </a:custGeom>
+          <a:solidFill>
+            <a:schemeClr val="accent1">
+              <a:alpha val="30000"/>
+            </a:schemeClr>
+          </a:solidFill>
+          <a:ln>
+            <a:noFill/>
+          </a:ln>
+        </p:spPr>
+        <p:style>
+          <a:lnRef idx="2">
+            <a:schemeClr val="accent1">
+              <a:shade val="50000"/>
+            </a:schemeClr>
+          </a:lnRef>
+          <a:fillRef idx="1">
+            <a:schemeClr val="accent1"/>
+          </a:fillRef>
+          <a:effectRef idx="0">
+            <a:schemeClr val="accent1"/>
+          </a:effectRef>
+          <a:fontRef idx="minor">
+            <a:schemeClr val="lt1"/>
+          </a:fontRef>
+        </p:style>
+        <p:txBody>
+          <a:bodyPr rtlCol="0" anchor="ctr"/>
+          <a:lstStyle/>
+          <a:p>
+            <a:pPr algn="ctr"/>
+            <a:endParaRPr lang="en-US" dirty="0"/>
+          </a:p>
+        </p:txBody>
+      </p:sp>
+      <p:sp>
+        <p:nvSpPr>
+          <p:cNvPr id="14" name="Rectangle 13">
+            <a:extLst>
+              <a:ext uri="{FF2B5EF4-FFF2-40B4-BE49-F238E27FC236}">
+                <a16:creationId xmlns:a16="http://schemas.microsoft.com/office/drawing/2014/main" id="{29FDB030-9B49-4CED-8CCD-4D99382388AC}"/>
+              </a:ext>
+              <a:ext uri="{C183D7F6-B498-43B3-948B-1728B52AA6E4}">
+                <adec:decorative xmlns:adec="http://schemas.microsoft.com/office/drawing/2017/decorative" val="1"/>
+              </a:ext>
+            </a:extLst>
+          </p:cNvPr>
+          <p:cNvSpPr>
+            <a:spLocks noGrp="1" noRot="1" noChangeAspect="1" noMove="1" noResize="1" noEditPoints="1" noAdjustHandles="1" noChangeArrowheads="1" noChangeShapeType="1" noTextEdit="1"/>
+          </p:cNvSpPr>
+          <p:nvPr>
+            <p:extLst>
+              <p:ext uri="{386F3935-93C4-4BCD-93E2-E3B085C9AB24}">
+                <p16:designElem xmlns:p16="http://schemas.microsoft.com/office/powerpoint/2015/main" val="1"/>
+              </p:ext>
+            </p:extLst>
+          </p:nvPr>
+        </p:nvSpPr>
+        <p:spPr>
+          <a:xfrm rot="18900000" flipH="1">
+            <a:off x="891641" y="422146"/>
+            <a:ext cx="645368" cy="645368"/>
+          </a:xfrm>
+          <a:prstGeom prst="rect">
+            <a:avLst/>
+          </a:prstGeom>
+          <a:solidFill>
+            <a:schemeClr val="accent1">
+              <a:alpha val="30000"/>
+            </a:schemeClr>
+          </a:solidFill>
+          <a:ln>
+            <a:noFill/>
+          </a:ln>
+        </p:spPr>
+        <p:style>
+          <a:lnRef idx="2">
+            <a:schemeClr val="accent1">
+              <a:shade val="50000"/>
+            </a:schemeClr>
+          </a:lnRef>
+          <a:fillRef idx="1">
+            <a:schemeClr val="accent1"/>
+          </a:fillRef>
+          <a:effectRef idx="0">
+            <a:schemeClr val="accent1"/>
+          </a:effectRef>
+          <a:fontRef idx="minor">
+            <a:schemeClr val="lt1"/>
+          </a:fontRef>
+        </p:style>
+        <p:txBody>
+          <a:bodyPr rtlCol="0" anchor="ctr"/>
+          <a:lstStyle/>
+          <a:p>
+            <a:pPr algn="ctr"/>
+            <a:endParaRPr lang="en-US"/>
+          </a:p>
+        </p:txBody>
+      </p:sp>
+      <p:sp>
+        <p:nvSpPr>
+          <p:cNvPr id="16" name="Rectangle 15">
+            <a:extLst>
+              <a:ext uri="{FF2B5EF4-FFF2-40B4-BE49-F238E27FC236}">
+                <a16:creationId xmlns:a16="http://schemas.microsoft.com/office/drawing/2014/main" id="{3783CA14-24A1-485C-8B30-D6A5D87987AD}"/>
+              </a:ext>
+              <a:ext uri="{C183D7F6-B498-43B3-948B-1728B52AA6E4}">
+                <adec:decorative xmlns:adec="http://schemas.microsoft.com/office/drawing/2017/decorative" val="1"/>
+              </a:ext>
+            </a:extLst>
+          </p:cNvPr>
+          <p:cNvSpPr>
+            <a:spLocks noGrp="1" noRot="1" noChangeAspect="1" noMove="1" noResize="1" noEditPoints="1" noAdjustHandles="1" noChangeArrowheads="1" noChangeShapeType="1" noTextEdit="1"/>
+          </p:cNvSpPr>
+          <p:nvPr>
+            <p:extLst>
+              <p:ext uri="{386F3935-93C4-4BCD-93E2-E3B085C9AB24}">
+                <p16:designElem xmlns:p16="http://schemas.microsoft.com/office/powerpoint/2015/main" val="1"/>
+              </p:ext>
+            </p:extLst>
+          </p:nvPr>
+        </p:nvSpPr>
+        <p:spPr>
+          <a:xfrm rot="18900000" flipH="1">
+            <a:off x="10043482" y="655140"/>
+            <a:ext cx="687472" cy="687472"/>
+          </a:xfrm>
+          <a:prstGeom prst="rect">
+            <a:avLst/>
+          </a:prstGeom>
+          <a:solidFill>
+            <a:schemeClr val="accent4">
+              <a:alpha val="30000"/>
+            </a:schemeClr>
+          </a:solidFill>
+          <a:ln>
+            <a:noFill/>
+          </a:ln>
+        </p:spPr>
+        <p:style>
+          <a:lnRef idx="2">
+            <a:schemeClr val="accent1">
+              <a:shade val="50000"/>
+            </a:schemeClr>
+          </a:lnRef>
+          <a:fillRef idx="1">
+            <a:schemeClr val="accent1"/>
+          </a:fillRef>
+          <a:effectRef idx="0">
+            <a:schemeClr val="accent1"/>
+          </a:effectRef>
+          <a:fontRef idx="minor">
+            <a:schemeClr val="lt1"/>
+          </a:fontRef>
+        </p:style>
+        <p:txBody>
+          <a:bodyPr rtlCol="0" anchor="ctr"/>
+          <a:lstStyle/>
+          <a:p>
+            <a:pPr algn="ctr"/>
+            <a:endParaRPr lang="en-US"/>
+          </a:p>
+        </p:txBody>
+      </p:sp>
+      <p:sp>
+        <p:nvSpPr>
+          <p:cNvPr id="18" name="Freeform: Shape 17">
+            <a:extLst>
+              <a:ext uri="{FF2B5EF4-FFF2-40B4-BE49-F238E27FC236}">
+                <a16:creationId xmlns:a16="http://schemas.microsoft.com/office/drawing/2014/main" id="{9A97C86A-04D6-40F7-AE84-31AB43E6A846}"/>
+              </a:ext>
+              <a:ext uri="{C183D7F6-B498-43B3-948B-1728B52AA6E4}">
+                <adec:decorative xmlns:adec="http://schemas.microsoft.com/office/drawing/2017/decorative" val="1"/>
+              </a:ext>
+            </a:extLst>
+          </p:cNvPr>
+          <p:cNvSpPr>
+            <a:spLocks noGrp="1" noRot="1" noChangeAspect="1" noMove="1" noResize="1" noEditPoints="1" noAdjustHandles="1" noChangeArrowheads="1" noChangeShapeType="1" noTextEdit="1"/>
+          </p:cNvSpPr>
+          <p:nvPr>
+            <p:extLst>
+              <p:ext uri="{386F3935-93C4-4BCD-93E2-E3B085C9AB24}">
+                <p16:designElem xmlns:p16="http://schemas.microsoft.com/office/powerpoint/2015/main" val="1"/>
+              </p:ext>
+            </p:extLst>
+          </p:nvPr>
+        </p:nvSpPr>
+        <p:spPr>
+          <a:xfrm rot="10800000" flipH="1">
+            <a:off x="9356643" y="0"/>
+            <a:ext cx="2835357" cy="1480837"/>
+          </a:xfrm>
+          <a:custGeom>
+            <a:avLst/>
+            <a:gdLst>
+              <a:gd name="connsiteX0" fmla="*/ 2835357 w 2835357"/>
+              <a:gd name="connsiteY0" fmla="*/ 1480837 h 1480837"/>
+              <a:gd name="connsiteX1" fmla="*/ 0 w 2835357"/>
+              <a:gd name="connsiteY1" fmla="*/ 1480837 h 1480837"/>
+              <a:gd name="connsiteX2" fmla="*/ 1552727 w 2835357"/>
+              <a:gd name="connsiteY2" fmla="*/ 0 h 1480837"/>
+              <a:gd name="connsiteX3" fmla="*/ 2835357 w 2835357"/>
+              <a:gd name="connsiteY3" fmla="*/ 1223245 h 1480837"/>
+            </a:gdLst>
+            <a:ahLst/>
+            <a:cxnLst>
+              <a:cxn ang="0">
+                <a:pos x="connsiteX0" y="connsiteY0"/>
+              </a:cxn>
+              <a:cxn ang="0">
+                <a:pos x="connsiteX1" y="connsiteY1"/>
+              </a:cxn>
+              <a:cxn ang="0">
+                <a:pos x="connsiteX2" y="connsiteY2"/>
+              </a:cxn>
+              <a:cxn ang="0">
+                <a:pos x="connsiteX3" y="connsiteY3"/>
+              </a:cxn>
+            </a:cxnLst>
+            <a:rect l="l" t="t" r="r" b="b"/>
+            <a:pathLst>
+              <a:path w="2835357" h="1480837">
+                <a:moveTo>
+                  <a:pt x="2835357" y="1480837"/>
+                </a:moveTo>
+                <a:lnTo>
+                  <a:pt x="0" y="1480837"/>
+                </a:lnTo>
+                <a:lnTo>
+                  <a:pt x="1552727" y="0"/>
+                </a:lnTo>
+                <a:lnTo>
+                  <a:pt x="2835357" y="1223245"/>
+                </a:lnTo>
+                <a:close/>
+              </a:path>
+            </a:pathLst>
+          </a:custGeom>
+          <a:solidFill>
+            <a:schemeClr val="accent4">
+              <a:alpha val="30000"/>
+            </a:schemeClr>
+          </a:solidFill>
+          <a:ln>
+            <a:noFill/>
+          </a:ln>
+        </p:spPr>
+        <p:style>
+          <a:lnRef idx="2">
+            <a:schemeClr val="accent1">
+              <a:shade val="50000"/>
+            </a:schemeClr>
+          </a:lnRef>
+          <a:fillRef idx="1">
+            <a:schemeClr val="accent1"/>
+          </a:fillRef>
+          <a:effectRef idx="0">
+            <a:schemeClr val="accent1"/>
+          </a:effectRef>
+          <a:fontRef idx="minor">
+            <a:schemeClr val="lt1"/>
+          </a:fontRef>
+        </p:style>
+        <p:txBody>
+          <a:bodyPr wrap="square" rtlCol="0" anchor="ctr">
+            <a:noAutofit/>
+          </a:bodyPr>
+          <a:lstStyle/>
+          <a:p>
+            <a:pPr algn="ctr"/>
+            <a:endParaRPr lang="en-US" dirty="0"/>
+          </a:p>
+        </p:txBody>
+      </p:sp>
+      <p:sp>
+        <p:nvSpPr>
+          <p:cNvPr id="20" name="Isosceles Triangle 19">
+            <a:extLst>
+              <a:ext uri="{FF2B5EF4-FFF2-40B4-BE49-F238E27FC236}">
+                <a16:creationId xmlns:a16="http://schemas.microsoft.com/office/drawing/2014/main" id="{FF9F2414-84E8-453E-B1F3-389FDE8192D9}"/>
+              </a:ext>
+              <a:ext uri="{C183D7F6-B498-43B3-948B-1728B52AA6E4}">
+                <adec:decorative xmlns:adec="http://schemas.microsoft.com/office/drawing/2017/decorative" val="1"/>
+              </a:ext>
+            </a:extLst>
+          </p:cNvPr>
+          <p:cNvSpPr>
+            <a:spLocks noGrp="1" noRot="1" noChangeAspect="1" noMove="1" noResize="1" noEditPoints="1" noAdjustHandles="1" noChangeArrowheads="1" noChangeShapeType="1" noTextEdit="1"/>
+          </p:cNvSpPr>
+          <p:nvPr>
+            <p:extLst>
+              <p:ext uri="{386F3935-93C4-4BCD-93E2-E3B085C9AB24}">
+                <p16:designElem xmlns:p16="http://schemas.microsoft.com/office/powerpoint/2015/main" val="1"/>
+              </p:ext>
+            </p:extLst>
+          </p:nvPr>
+        </p:nvSpPr>
+        <p:spPr>
+          <a:xfrm flipH="1">
+            <a:off x="7976344" y="6115501"/>
+            <a:ext cx="1494513" cy="742499"/>
+          </a:xfrm>
+          <a:prstGeom prst="triangle">
+            <a:avLst/>
+          </a:prstGeom>
+          <a:solidFill>
+            <a:schemeClr val="accent1">
+              <a:alpha val="30000"/>
+            </a:schemeClr>
+          </a:solidFill>
+          <a:ln>
+            <a:noFill/>
+          </a:ln>
+        </p:spPr>
+        <p:style>
+          <a:lnRef idx="2">
+            <a:schemeClr val="accent1">
+              <a:shade val="50000"/>
+            </a:schemeClr>
+          </a:lnRef>
+          <a:fillRef idx="1">
+            <a:schemeClr val="accent1"/>
+          </a:fillRef>
+          <a:effectRef idx="0">
+            <a:schemeClr val="accent1"/>
+          </a:effectRef>
+          <a:fontRef idx="minor">
+            <a:schemeClr val="lt1"/>
+          </a:fontRef>
+        </p:style>
+        <p:txBody>
+          <a:bodyPr rtlCol="0" anchor="ctr"/>
+          <a:lstStyle/>
+          <a:p>
+            <a:pPr algn="ctr"/>
+            <a:endParaRPr lang="en-US"/>
+          </a:p>
+        </p:txBody>
+      </p:sp>
+      <p:pic>
+        <p:nvPicPr>
+          <p:cNvPr id="5" name="Picture 4">
+            <a:extLst>
+              <a:ext uri="{FF2B5EF4-FFF2-40B4-BE49-F238E27FC236}">
+                <a16:creationId xmlns:a16="http://schemas.microsoft.com/office/drawing/2014/main" id="{213B6238-D538-EB4C-89D7-3AAD5FB79508}"/>
+              </a:ext>
+            </a:extLst>
+          </p:cNvPr>
+          <p:cNvPicPr>
+            <a:picLocks noChangeAspect="1"/>
+          </p:cNvPicPr>
+          <p:nvPr/>
+        </p:nvPicPr>
+        <p:blipFill>
+          <a:blip r:embed="rId2"/>
+          <a:stretch>
+            <a:fillRect/>
+          </a:stretch>
+        </p:blipFill>
+        <p:spPr>
+          <a:xfrm>
+            <a:off x="643467" y="839045"/>
+            <a:ext cx="10905066" cy="5179908"/>
+          </a:xfrm>
+          <a:prstGeom prst="rect">
+            <a:avLst/>
+          </a:prstGeom>
+          <a:ln>
+            <a:noFill/>
+          </a:ln>
+        </p:spPr>
+      </p:pic>
+      <p:sp>
+        <p:nvSpPr>
+          <p:cNvPr id="22" name="Isosceles Triangle 21">
+            <a:extLst>
+              <a:ext uri="{FF2B5EF4-FFF2-40B4-BE49-F238E27FC236}">
+                <a16:creationId xmlns:a16="http://schemas.microsoft.com/office/drawing/2014/main" id="{3ECA69A1-7536-43AC-85EF-C7106179F5ED}"/>
+              </a:ext>
+              <a:ext uri="{C183D7F6-B498-43B3-948B-1728B52AA6E4}">
+                <adec:decorative xmlns:adec="http://schemas.microsoft.com/office/drawing/2017/decorative" val="1"/>
+              </a:ext>
+            </a:extLst>
+          </p:cNvPr>
+          <p:cNvSpPr>
+            <a:spLocks noGrp="1" noRot="1" noChangeAspect="1" noMove="1" noResize="1" noEditPoints="1" noAdjustHandles="1" noChangeArrowheads="1" noChangeShapeType="1" noTextEdit="1"/>
+          </p:cNvSpPr>
+          <p:nvPr>
+            <p:extLst>
+              <p:ext uri="{386F3935-93C4-4BCD-93E2-E3B085C9AB24}">
+                <p16:designElem xmlns:p16="http://schemas.microsoft.com/office/powerpoint/2015/main" val="1"/>
+              </p:ext>
+            </p:extLst>
+          </p:nvPr>
+        </p:nvSpPr>
+        <p:spPr>
+          <a:xfrm flipH="1">
+            <a:off x="7604080" y="6453143"/>
+            <a:ext cx="814903" cy="404857"/>
+          </a:xfrm>
+          <a:prstGeom prst="triangle">
+            <a:avLst/>
+          </a:prstGeom>
+          <a:solidFill>
+            <a:schemeClr val="accent1">
+              <a:alpha val="30000"/>
+            </a:schemeClr>
+          </a:solidFill>
+          <a:ln>
+            <a:noFill/>
+          </a:ln>
+        </p:spPr>
+        <p:style>
+          <a:lnRef idx="2">
+            <a:schemeClr val="accent1">
+              <a:shade val="50000"/>
+            </a:schemeClr>
+          </a:lnRef>
+          <a:fillRef idx="1">
+            <a:schemeClr val="accent1"/>
+          </a:fillRef>
+          <a:effectRef idx="0">
+            <a:schemeClr val="accent1"/>
+          </a:effectRef>
+          <a:fontRef idx="minor">
+            <a:schemeClr val="lt1"/>
+          </a:fontRef>
+        </p:style>
+        <p:txBody>
+          <a:bodyPr rtlCol="0" anchor="ctr"/>
+          <a:lstStyle/>
+          <a:p>
+            <a:pPr algn="ctr"/>
+            <a:endParaRPr lang="en-US"/>
+          </a:p>
+        </p:txBody>
+      </p:sp>
+    </p:spTree>
+    <p:extLst>
+      <p:ext uri="{BB962C8B-B14F-4D97-AF65-F5344CB8AC3E}">
         <p14:creationId xmlns:p14="http://schemas.microsoft.com/office/powerpoint/2010/main" val="2042024187"/>
       </p:ext>
     </p:extLst>
@@ -6563,7 +7341,7 @@
 </p:sld>
 </file>
 
-<file path=ppt/slides/slide6.xml><?xml version="1.0" encoding="utf-8"?>
+<file path=ppt/slides/slide7.xml><?xml version="1.0" encoding="utf-8"?>
 <p:sld xmlns:a="http://schemas.openxmlformats.org/drawingml/2006/main" xmlns:r="http://schemas.openxmlformats.org/officeDocument/2006/relationships" xmlns:p="http://schemas.openxmlformats.org/presentationml/2006/main">
   <p:cSld>
     <p:bg>

--- a/Automated Testing Refinement Proposal.pptx
+++ b/Automated Testing Refinement Proposal.pptx
@@ -471,6 +471,90 @@
 </file>
 
 <file path=ppt/notesSlides/notesSlide1.xml><?xml version="1.0" encoding="utf-8"?>
+<p:notes xmlns:a="http://schemas.openxmlformats.org/drawingml/2006/main" xmlns:r="http://schemas.openxmlformats.org/officeDocument/2006/relationships" xmlns:p="http://schemas.openxmlformats.org/presentationml/2006/main">
+  <p:cSld>
+    <p:spTree>
+      <p:nvGrpSpPr>
+        <p:cNvPr id="1" name=""/>
+        <p:cNvGrpSpPr/>
+        <p:nvPr/>
+      </p:nvGrpSpPr>
+      <p:grpSpPr>
+        <a:xfrm>
+          <a:off x="0" y="0"/>
+          <a:ext cx="0" cy="0"/>
+          <a:chOff x="0" y="0"/>
+          <a:chExt cx="0" cy="0"/>
+        </a:xfrm>
+      </p:grpSpPr>
+      <p:sp>
+        <p:nvSpPr>
+          <p:cNvPr id="2" name="Slide Image Placeholder 1"/>
+          <p:cNvSpPr>
+            <a:spLocks noGrp="1" noRot="1" noChangeAspect="1"/>
+          </p:cNvSpPr>
+          <p:nvPr>
+            <p:ph type="sldImg"/>
+          </p:nvPr>
+        </p:nvSpPr>
+        <p:spPr/>
+      </p:sp>
+      <p:sp>
+        <p:nvSpPr>
+          <p:cNvPr id="3" name="Notes Placeholder 2"/>
+          <p:cNvSpPr>
+            <a:spLocks noGrp="1"/>
+          </p:cNvSpPr>
+          <p:nvPr>
+            <p:ph type="body" idx="1"/>
+          </p:nvPr>
+        </p:nvSpPr>
+        <p:spPr/>
+        <p:txBody>
+          <a:bodyPr/>
+          <a:lstStyle/>
+          <a:p>
+            <a:endParaRPr lang="en-US" dirty="0"/>
+          </a:p>
+        </p:txBody>
+      </p:sp>
+      <p:sp>
+        <p:nvSpPr>
+          <p:cNvPr id="4" name="Slide Number Placeholder 3"/>
+          <p:cNvSpPr>
+            <a:spLocks noGrp="1"/>
+          </p:cNvSpPr>
+          <p:nvPr>
+            <p:ph type="sldNum" sz="quarter" idx="5"/>
+          </p:nvPr>
+        </p:nvSpPr>
+        <p:spPr/>
+        <p:txBody>
+          <a:bodyPr/>
+          <a:lstStyle/>
+          <a:p>
+            <a:fld id="{A0E9F198-3222-4179-AA1E-E221065A465D}" type="slidenum">
+              <a:rPr lang="en-US" smtClean="0"/>
+              <a:t>2</a:t>
+            </a:fld>
+            <a:endParaRPr lang="en-US"/>
+          </a:p>
+        </p:txBody>
+      </p:sp>
+    </p:spTree>
+    <p:extLst>
+      <p:ext uri="{BB962C8B-B14F-4D97-AF65-F5344CB8AC3E}">
+        <p14:creationId xmlns:p14="http://schemas.microsoft.com/office/powerpoint/2010/main" val="2701615595"/>
+      </p:ext>
+    </p:extLst>
+  </p:cSld>
+  <p:clrMapOvr>
+    <a:masterClrMapping/>
+  </p:clrMapOvr>
+</p:notes>
+</file>
+
+<file path=ppt/notesSlides/notesSlide2.xml><?xml version="1.0" encoding="utf-8"?>
 <p:notes xmlns:a="http://schemas.openxmlformats.org/drawingml/2006/main" xmlns:r="http://schemas.openxmlformats.org/officeDocument/2006/relationships" xmlns:p="http://schemas.openxmlformats.org/presentationml/2006/main">
   <p:cSld>
     <p:spTree>
@@ -4538,7 +4622,7 @@
           <p:nvPr/>
         </p:nvPicPr>
         <p:blipFill>
-          <a:blip r:embed="rId2"/>
+          <a:blip r:embed="rId3"/>
           <a:srcRect l="359" r="1" b="1"/>
           <a:stretch>
             <a:fillRect/>
@@ -4637,36 +4721,6 @@
           <p:nvPr/>
         </p:nvPicPr>
         <p:blipFill>
-          <a:blip r:embed="rId2"/>
-          <a:stretch>
-            <a:fillRect/>
-          </a:stretch>
-        </p:blipFill>
-        <p:spPr>
-          <a:xfrm>
-            <a:off x="0" y="321568"/>
-            <a:ext cx="12192000" cy="6214864"/>
-          </a:xfrm>
-          <a:prstGeom prst="rect">
-            <a:avLst/>
-          </a:prstGeom>
-        </p:spPr>
-      </p:pic>
-      <p:pic>
-        <p:nvPicPr>
-          <p:cNvPr id="11" name="Picture 10">
-            <a:extLst>
-              <a:ext uri="{FF2B5EF4-FFF2-40B4-BE49-F238E27FC236}">
-                <a16:creationId xmlns:a16="http://schemas.microsoft.com/office/drawing/2014/main" id="{0979E056-51E9-BEE0-227D-AC2026944413}"/>
-              </a:ext>
-            </a:extLst>
-          </p:cNvPr>
-          <p:cNvPicPr>
-            <a:picLocks noChangeAspect="1"/>
-          </p:cNvPicPr>
-          <p:nvPr/>
-        </p:nvPicPr>
-        <p:blipFill>
           <a:blip r:embed="rId3"/>
           <a:stretch>
             <a:fillRect/>
@@ -4674,8 +4728,8 @@
         </p:blipFill>
         <p:spPr>
           <a:xfrm>
-            <a:off x="0" y="353193"/>
-            <a:ext cx="12192000" cy="6151613"/>
+            <a:off x="0" y="321568"/>
+            <a:ext cx="12192000" cy="6214864"/>
           </a:xfrm>
           <a:prstGeom prst="rect">
             <a:avLst/>
@@ -4684,10 +4738,10 @@
       </p:pic>
       <p:pic>
         <p:nvPicPr>
-          <p:cNvPr id="3" name="Picture 2">
-            <a:extLst>
-              <a:ext uri="{FF2B5EF4-FFF2-40B4-BE49-F238E27FC236}">
-                <a16:creationId xmlns:a16="http://schemas.microsoft.com/office/drawing/2014/main" id="{CE478AD2-C4E7-BDB9-BB00-D72BEDE5D4F3}"/>
+          <p:cNvPr id="11" name="Picture 10">
+            <a:extLst>
+              <a:ext uri="{FF2B5EF4-FFF2-40B4-BE49-F238E27FC236}">
+                <a16:creationId xmlns:a16="http://schemas.microsoft.com/office/drawing/2014/main" id="{0979E056-51E9-BEE0-227D-AC2026944413}"/>
               </a:ext>
             </a:extLst>
           </p:cNvPr>
@@ -4704,8 +4758,68 @@
         </p:blipFill>
         <p:spPr>
           <a:xfrm>
+            <a:off x="0" y="353193"/>
+            <a:ext cx="12192000" cy="6151613"/>
+          </a:xfrm>
+          <a:prstGeom prst="rect">
+            <a:avLst/>
+          </a:prstGeom>
+        </p:spPr>
+      </p:pic>
+      <p:pic>
+        <p:nvPicPr>
+          <p:cNvPr id="3" name="Picture 2">
+            <a:extLst>
+              <a:ext uri="{FF2B5EF4-FFF2-40B4-BE49-F238E27FC236}">
+                <a16:creationId xmlns:a16="http://schemas.microsoft.com/office/drawing/2014/main" id="{CE478AD2-C4E7-BDB9-BB00-D72BEDE5D4F3}"/>
+              </a:ext>
+            </a:extLst>
+          </p:cNvPr>
+          <p:cNvPicPr>
+            <a:picLocks noChangeAspect="1"/>
+          </p:cNvPicPr>
+          <p:nvPr/>
+        </p:nvPicPr>
+        <p:blipFill>
+          <a:blip r:embed="rId5"/>
+          <a:stretch>
+            <a:fillRect/>
+          </a:stretch>
+        </p:blipFill>
+        <p:spPr>
+          <a:xfrm>
             <a:off x="0" y="314412"/>
             <a:ext cx="12192000" cy="6229175"/>
+          </a:xfrm>
+          <a:prstGeom prst="rect">
+            <a:avLst/>
+          </a:prstGeom>
+        </p:spPr>
+      </p:pic>
+      <p:pic>
+        <p:nvPicPr>
+          <p:cNvPr id="4" name="Picture 3">
+            <a:extLst>
+              <a:ext uri="{FF2B5EF4-FFF2-40B4-BE49-F238E27FC236}">
+                <a16:creationId xmlns:a16="http://schemas.microsoft.com/office/drawing/2014/main" id="{80F02AAB-3EA2-98A8-E685-86EE39BA7AB2}"/>
+              </a:ext>
+            </a:extLst>
+          </p:cNvPr>
+          <p:cNvPicPr>
+            <a:picLocks noChangeAspect="1"/>
+          </p:cNvPicPr>
+          <p:nvPr/>
+        </p:nvPicPr>
+        <p:blipFill>
+          <a:blip r:embed="rId6"/>
+          <a:stretch>
+            <a:fillRect/>
+          </a:stretch>
+        </p:blipFill>
+        <p:spPr>
+          <a:xfrm>
+            <a:off x="0" y="327376"/>
+            <a:ext cx="12192000" cy="6203248"/>
           </a:xfrm>
           <a:prstGeom prst="rect">
             <a:avLst/>

--- a/Automated Testing Refinement Proposal.pptx
+++ b/Automated Testing Refinement Proposal.pptx
@@ -203,7 +203,7 @@
           <a:p>
             <a:fld id="{6A82B806-40D1-4ECE-AC78-6987831D7146}" type="datetimeFigureOut">
               <a:rPr lang="en-US" smtClean="0"/>
-              <a:t>6/6/2025</a:t>
+              <a:t>6/13/2025</a:t>
             </a:fld>
             <a:endParaRPr lang="en-US"/>
           </a:p>
@@ -785,7 +785,7 @@
           <a:p>
             <a:fld id="{D5D6D89E-CD24-4F75-A5BE-2159720B5314}" type="datetimeFigureOut">
               <a:rPr lang="en-US" smtClean="0"/>
-              <a:t>6/6/2025</a:t>
+              <a:t>6/13/2025</a:t>
             </a:fld>
             <a:endParaRPr lang="en-US"/>
           </a:p>
@@ -983,7 +983,7 @@
           <a:p>
             <a:fld id="{D5D6D89E-CD24-4F75-A5BE-2159720B5314}" type="datetimeFigureOut">
               <a:rPr lang="en-US" smtClean="0"/>
-              <a:t>6/6/2025</a:t>
+              <a:t>6/13/2025</a:t>
             </a:fld>
             <a:endParaRPr lang="en-US"/>
           </a:p>
@@ -1191,7 +1191,7 @@
           <a:p>
             <a:fld id="{D5D6D89E-CD24-4F75-A5BE-2159720B5314}" type="datetimeFigureOut">
               <a:rPr lang="en-US" smtClean="0"/>
-              <a:t>6/6/2025</a:t>
+              <a:t>6/13/2025</a:t>
             </a:fld>
             <a:endParaRPr lang="en-US"/>
           </a:p>
@@ -1389,7 +1389,7 @@
           <a:p>
             <a:fld id="{D5D6D89E-CD24-4F75-A5BE-2159720B5314}" type="datetimeFigureOut">
               <a:rPr lang="en-US" smtClean="0"/>
-              <a:t>6/6/2025</a:t>
+              <a:t>6/13/2025</a:t>
             </a:fld>
             <a:endParaRPr lang="en-US"/>
           </a:p>
@@ -1664,7 +1664,7 @@
           <a:p>
             <a:fld id="{D5D6D89E-CD24-4F75-A5BE-2159720B5314}" type="datetimeFigureOut">
               <a:rPr lang="en-US" smtClean="0"/>
-              <a:t>6/6/2025</a:t>
+              <a:t>6/13/2025</a:t>
             </a:fld>
             <a:endParaRPr lang="en-US"/>
           </a:p>
@@ -1929,7 +1929,7 @@
           <a:p>
             <a:fld id="{D5D6D89E-CD24-4F75-A5BE-2159720B5314}" type="datetimeFigureOut">
               <a:rPr lang="en-US" smtClean="0"/>
-              <a:t>6/6/2025</a:t>
+              <a:t>6/13/2025</a:t>
             </a:fld>
             <a:endParaRPr lang="en-US"/>
           </a:p>
@@ -2341,7 +2341,7 @@
           <a:p>
             <a:fld id="{D5D6D89E-CD24-4F75-A5BE-2159720B5314}" type="datetimeFigureOut">
               <a:rPr lang="en-US" smtClean="0"/>
-              <a:t>6/6/2025</a:t>
+              <a:t>6/13/2025</a:t>
             </a:fld>
             <a:endParaRPr lang="en-US"/>
           </a:p>
@@ -2482,7 +2482,7 @@
           <a:p>
             <a:fld id="{D5D6D89E-CD24-4F75-A5BE-2159720B5314}" type="datetimeFigureOut">
               <a:rPr lang="en-US" smtClean="0"/>
-              <a:t>6/6/2025</a:t>
+              <a:t>6/13/2025</a:t>
             </a:fld>
             <a:endParaRPr lang="en-US"/>
           </a:p>
@@ -2595,7 +2595,7 @@
           <a:p>
             <a:fld id="{D5D6D89E-CD24-4F75-A5BE-2159720B5314}" type="datetimeFigureOut">
               <a:rPr lang="en-US" smtClean="0"/>
-              <a:t>6/6/2025</a:t>
+              <a:t>6/13/2025</a:t>
             </a:fld>
             <a:endParaRPr lang="en-US"/>
           </a:p>
@@ -2906,7 +2906,7 @@
           <a:p>
             <a:fld id="{D5D6D89E-CD24-4F75-A5BE-2159720B5314}" type="datetimeFigureOut">
               <a:rPr lang="en-US" smtClean="0"/>
-              <a:t>6/6/2025</a:t>
+              <a:t>6/13/2025</a:t>
             </a:fld>
             <a:endParaRPr lang="en-US"/>
           </a:p>
@@ -3194,7 +3194,7 @@
           <a:p>
             <a:fld id="{D5D6D89E-CD24-4F75-A5BE-2159720B5314}" type="datetimeFigureOut">
               <a:rPr lang="en-US" smtClean="0"/>
-              <a:t>6/6/2025</a:t>
+              <a:t>6/13/2025</a:t>
             </a:fld>
             <a:endParaRPr lang="en-US"/>
           </a:p>
@@ -3435,7 +3435,7 @@
           <a:p>
             <a:fld id="{D5D6D89E-CD24-4F75-A5BE-2159720B5314}" type="datetimeFigureOut">
               <a:rPr lang="en-US" smtClean="0"/>
-              <a:t>6/6/2025</a:t>
+              <a:t>6/13/2025</a:t>
             </a:fld>
             <a:endParaRPr lang="en-US"/>
           </a:p>
@@ -4607,40 +4607,6 @@
           </a:p>
         </p:txBody>
       </p:sp>
-      <p:pic>
-        <p:nvPicPr>
-          <p:cNvPr id="7" name="Picture 6">
-            <a:extLst>
-              <a:ext uri="{FF2B5EF4-FFF2-40B4-BE49-F238E27FC236}">
-                <a16:creationId xmlns:a16="http://schemas.microsoft.com/office/drawing/2014/main" id="{1781D8BE-DF20-D646-1A3D-E302DCEBB732}"/>
-              </a:ext>
-            </a:extLst>
-          </p:cNvPr>
-          <p:cNvPicPr>
-            <a:picLocks noChangeAspect="1"/>
-          </p:cNvPicPr>
-          <p:nvPr/>
-        </p:nvPicPr>
-        <p:blipFill>
-          <a:blip r:embed="rId3"/>
-          <a:srcRect l="359" r="1" b="1"/>
-          <a:stretch>
-            <a:fillRect/>
-          </a:stretch>
-        </p:blipFill>
-        <p:spPr>
-          <a:xfrm>
-            <a:off x="653780" y="643467"/>
-            <a:ext cx="10884439" cy="5571065"/>
-          </a:xfrm>
-          <a:prstGeom prst="rect">
-            <a:avLst/>
-          </a:prstGeom>
-          <a:ln>
-            <a:noFill/>
-          </a:ln>
-        </p:spPr>
-      </p:pic>
       <p:sp>
         <p:nvSpPr>
           <p:cNvPr id="35" name="Isosceles Triangle 34">
@@ -4708,10 +4674,10 @@
       </p:sp>
       <p:pic>
         <p:nvPicPr>
-          <p:cNvPr id="9" name="Picture 8">
-            <a:extLst>
-              <a:ext uri="{FF2B5EF4-FFF2-40B4-BE49-F238E27FC236}">
-                <a16:creationId xmlns:a16="http://schemas.microsoft.com/office/drawing/2014/main" id="{B1E269B5-C559-E591-0A1D-52F0DC911B51}"/>
+          <p:cNvPr id="5" name="Picture 4">
+            <a:extLst>
+              <a:ext uri="{FF2B5EF4-FFF2-40B4-BE49-F238E27FC236}">
+                <a16:creationId xmlns:a16="http://schemas.microsoft.com/office/drawing/2014/main" id="{6272E836-F26F-0552-93B8-023F64584AF1}"/>
               </a:ext>
             </a:extLst>
           </p:cNvPr>
@@ -4728,98 +4694,8 @@
         </p:blipFill>
         <p:spPr>
           <a:xfrm>
-            <a:off x="0" y="321568"/>
-            <a:ext cx="12192000" cy="6214864"/>
-          </a:xfrm>
-          <a:prstGeom prst="rect">
-            <a:avLst/>
-          </a:prstGeom>
-        </p:spPr>
-      </p:pic>
-      <p:pic>
-        <p:nvPicPr>
-          <p:cNvPr id="11" name="Picture 10">
-            <a:extLst>
-              <a:ext uri="{FF2B5EF4-FFF2-40B4-BE49-F238E27FC236}">
-                <a16:creationId xmlns:a16="http://schemas.microsoft.com/office/drawing/2014/main" id="{0979E056-51E9-BEE0-227D-AC2026944413}"/>
-              </a:ext>
-            </a:extLst>
-          </p:cNvPr>
-          <p:cNvPicPr>
-            <a:picLocks noChangeAspect="1"/>
-          </p:cNvPicPr>
-          <p:nvPr/>
-        </p:nvPicPr>
-        <p:blipFill>
-          <a:blip r:embed="rId4"/>
-          <a:stretch>
-            <a:fillRect/>
-          </a:stretch>
-        </p:blipFill>
-        <p:spPr>
-          <a:xfrm>
-            <a:off x="0" y="353193"/>
-            <a:ext cx="12192000" cy="6151613"/>
-          </a:xfrm>
-          <a:prstGeom prst="rect">
-            <a:avLst/>
-          </a:prstGeom>
-        </p:spPr>
-      </p:pic>
-      <p:pic>
-        <p:nvPicPr>
-          <p:cNvPr id="3" name="Picture 2">
-            <a:extLst>
-              <a:ext uri="{FF2B5EF4-FFF2-40B4-BE49-F238E27FC236}">
-                <a16:creationId xmlns:a16="http://schemas.microsoft.com/office/drawing/2014/main" id="{CE478AD2-C4E7-BDB9-BB00-D72BEDE5D4F3}"/>
-              </a:ext>
-            </a:extLst>
-          </p:cNvPr>
-          <p:cNvPicPr>
-            <a:picLocks noChangeAspect="1"/>
-          </p:cNvPicPr>
-          <p:nvPr/>
-        </p:nvPicPr>
-        <p:blipFill>
-          <a:blip r:embed="rId5"/>
-          <a:stretch>
-            <a:fillRect/>
-          </a:stretch>
-        </p:blipFill>
-        <p:spPr>
-          <a:xfrm>
-            <a:off x="0" y="314412"/>
-            <a:ext cx="12192000" cy="6229175"/>
-          </a:xfrm>
-          <a:prstGeom prst="rect">
-            <a:avLst/>
-          </a:prstGeom>
-        </p:spPr>
-      </p:pic>
-      <p:pic>
-        <p:nvPicPr>
-          <p:cNvPr id="4" name="Picture 3">
-            <a:extLst>
-              <a:ext uri="{FF2B5EF4-FFF2-40B4-BE49-F238E27FC236}">
-                <a16:creationId xmlns:a16="http://schemas.microsoft.com/office/drawing/2014/main" id="{80F02AAB-3EA2-98A8-E685-86EE39BA7AB2}"/>
-              </a:ext>
-            </a:extLst>
-          </p:cNvPr>
-          <p:cNvPicPr>
-            <a:picLocks noChangeAspect="1"/>
-          </p:cNvPicPr>
-          <p:nvPr/>
-        </p:nvPicPr>
-        <p:blipFill>
-          <a:blip r:embed="rId6"/>
-          <a:stretch>
-            <a:fillRect/>
-          </a:stretch>
-        </p:blipFill>
-        <p:spPr>
-          <a:xfrm>
-            <a:off x="0" y="327376"/>
-            <a:ext cx="12192000" cy="6203248"/>
+            <a:off x="0" y="314506"/>
+            <a:ext cx="12192000" cy="6228988"/>
           </a:xfrm>
           <a:prstGeom prst="rect">
             <a:avLst/>
@@ -5354,40 +5230,6 @@
           </a:p>
         </p:txBody>
       </p:sp>
-      <p:pic>
-        <p:nvPicPr>
-          <p:cNvPr id="7" name="Picture 6">
-            <a:extLst>
-              <a:ext uri="{FF2B5EF4-FFF2-40B4-BE49-F238E27FC236}">
-                <a16:creationId xmlns:a16="http://schemas.microsoft.com/office/drawing/2014/main" id="{64D7054A-E80C-4C6A-AFCE-FDF31CBE32A4}"/>
-              </a:ext>
-            </a:extLst>
-          </p:cNvPr>
-          <p:cNvPicPr>
-            <a:picLocks noChangeAspect="1"/>
-          </p:cNvPicPr>
-          <p:nvPr/>
-        </p:nvPicPr>
-        <p:blipFill>
-          <a:blip r:embed="rId2"/>
-          <a:srcRect l="359" r="1" b="1"/>
-          <a:stretch>
-            <a:fillRect/>
-          </a:stretch>
-        </p:blipFill>
-        <p:spPr>
-          <a:xfrm>
-            <a:off x="653780" y="643467"/>
-            <a:ext cx="10884439" cy="5571065"/>
-          </a:xfrm>
-          <a:prstGeom prst="rect">
-            <a:avLst/>
-          </a:prstGeom>
-          <a:ln>
-            <a:noFill/>
-          </a:ln>
-        </p:spPr>
-      </p:pic>
       <p:sp>
         <p:nvSpPr>
           <p:cNvPr id="35" name="Isosceles Triangle 34">
@@ -5455,10 +5297,10 @@
       </p:sp>
       <p:pic>
         <p:nvPicPr>
-          <p:cNvPr id="9" name="Picture 8">
-            <a:extLst>
-              <a:ext uri="{FF2B5EF4-FFF2-40B4-BE49-F238E27FC236}">
-                <a16:creationId xmlns:a16="http://schemas.microsoft.com/office/drawing/2014/main" id="{854D5D9F-9984-F07D-D928-E20C3C2804F3}"/>
+          <p:cNvPr id="5" name="Picture 4">
+            <a:extLst>
+              <a:ext uri="{FF2B5EF4-FFF2-40B4-BE49-F238E27FC236}">
+                <a16:creationId xmlns:a16="http://schemas.microsoft.com/office/drawing/2014/main" id="{C3338848-3869-541E-7024-CED54384F430}"/>
               </a:ext>
             </a:extLst>
           </p:cNvPr>
@@ -5475,98 +5317,8 @@
         </p:blipFill>
         <p:spPr>
           <a:xfrm>
-            <a:off x="0" y="321568"/>
-            <a:ext cx="12192000" cy="6214864"/>
-          </a:xfrm>
-          <a:prstGeom prst="rect">
-            <a:avLst/>
-          </a:prstGeom>
-        </p:spPr>
-      </p:pic>
-      <p:pic>
-        <p:nvPicPr>
-          <p:cNvPr id="11" name="Picture 10">
-            <a:extLst>
-              <a:ext uri="{FF2B5EF4-FFF2-40B4-BE49-F238E27FC236}">
-                <a16:creationId xmlns:a16="http://schemas.microsoft.com/office/drawing/2014/main" id="{40EE43A0-814C-291A-E8B9-64CCDD3F1AD4}"/>
-              </a:ext>
-            </a:extLst>
-          </p:cNvPr>
-          <p:cNvPicPr>
-            <a:picLocks noChangeAspect="1"/>
-          </p:cNvPicPr>
-          <p:nvPr/>
-        </p:nvPicPr>
-        <p:blipFill>
-          <a:blip r:embed="rId3"/>
-          <a:stretch>
-            <a:fillRect/>
-          </a:stretch>
-        </p:blipFill>
-        <p:spPr>
-          <a:xfrm>
-            <a:off x="0" y="353193"/>
-            <a:ext cx="12192000" cy="6151613"/>
-          </a:xfrm>
-          <a:prstGeom prst="rect">
-            <a:avLst/>
-          </a:prstGeom>
-        </p:spPr>
-      </p:pic>
-      <p:pic>
-        <p:nvPicPr>
-          <p:cNvPr id="3" name="Picture 2">
-            <a:extLst>
-              <a:ext uri="{FF2B5EF4-FFF2-40B4-BE49-F238E27FC236}">
-                <a16:creationId xmlns:a16="http://schemas.microsoft.com/office/drawing/2014/main" id="{E34D026F-C9C4-BCFD-DAC7-2746FB6F5586}"/>
-              </a:ext>
-            </a:extLst>
-          </p:cNvPr>
-          <p:cNvPicPr>
-            <a:picLocks noChangeAspect="1"/>
-          </p:cNvPicPr>
-          <p:nvPr/>
-        </p:nvPicPr>
-        <p:blipFill>
-          <a:blip r:embed="rId4"/>
-          <a:stretch>
-            <a:fillRect/>
-          </a:stretch>
-        </p:blipFill>
-        <p:spPr>
-          <a:xfrm>
-            <a:off x="0" y="314412"/>
-            <a:ext cx="12192000" cy="6229175"/>
-          </a:xfrm>
-          <a:prstGeom prst="rect">
-            <a:avLst/>
-          </a:prstGeom>
-        </p:spPr>
-      </p:pic>
-      <p:pic>
-        <p:nvPicPr>
-          <p:cNvPr id="4" name="Picture 3">
-            <a:extLst>
-              <a:ext uri="{FF2B5EF4-FFF2-40B4-BE49-F238E27FC236}">
-                <a16:creationId xmlns:a16="http://schemas.microsoft.com/office/drawing/2014/main" id="{A442B7F3-B9B3-6F15-87AC-D931E79520FC}"/>
-              </a:ext>
-            </a:extLst>
-          </p:cNvPr>
-          <p:cNvPicPr>
-            <a:picLocks noChangeAspect="1"/>
-          </p:cNvPicPr>
-          <p:nvPr/>
-        </p:nvPicPr>
-        <p:blipFill>
-          <a:blip r:embed="rId5"/>
-          <a:stretch>
-            <a:fillRect/>
-          </a:stretch>
-        </p:blipFill>
-        <p:spPr>
-          <a:xfrm>
-            <a:off x="0" y="303726"/>
-            <a:ext cx="12192000" cy="6250547"/>
+            <a:off x="0" y="325034"/>
+            <a:ext cx="12192000" cy="6207932"/>
           </a:xfrm>
           <a:prstGeom prst="rect">
             <a:avLst/>

--- a/Automated Testing Refinement Proposal.pptx
+++ b/Automated Testing Refinement Proposal.pptx
@@ -119,6 +119,153 @@
     </p:ext>
   </p:extLst>
 </p:presentation>
+</file>
+
+<file path=ppt/ink/ink1.xml><?xml version="1.0" encoding="utf-8"?>
+<inkml:ink xmlns:inkml="http://www.w3.org/2003/InkML">
+  <inkml:definitions>
+    <inkml:context xml:id="ctx0">
+      <inkml:inkSource xml:id="inkSrc0">
+        <inkml:traceFormat>
+          <inkml:channel name="X" type="integer" min="-2.14748E9" max="2.14748E9" units="cm"/>
+          <inkml:channel name="Y" type="integer" min="-2.14748E9" max="2.14748E9" units="cm"/>
+          <inkml:channel name="F" type="integer" max="32767" units="dev"/>
+        </inkml:traceFormat>
+        <inkml:channelProperties>
+          <inkml:channelProperty channel="X" name="resolution" value="1000" units="1/cm"/>
+          <inkml:channelProperty channel="Y" name="resolution" value="1000" units="1/cm"/>
+          <inkml:channelProperty channel="F" name="resolution" value="0" units="1/dev"/>
+        </inkml:channelProperties>
+      </inkml:inkSource>
+      <inkml:timestamp xml:id="ts0" timeString="2025-06-13T21:31:54.682"/>
+    </inkml:context>
+    <inkml:brush xml:id="br0">
+      <inkml:brushProperty name="width" value="0.3" units="cm"/>
+      <inkml:brushProperty name="height" value="0.6" units="cm"/>
+      <inkml:brushProperty name="color" value="#FFFC00"/>
+      <inkml:brushProperty name="tip" value="rectangle"/>
+      <inkml:brushProperty name="rasterOp" value="maskPen"/>
+      <inkml:brushProperty name="ignorePressure" value="1"/>
+    </inkml:brush>
+  </inkml:definitions>
+  <inkml:trace contextRef="#ctx0" brushRef="#br0">0 98 0,'5503'-97'0</inkml:trace>
+</inkml:ink>
+</file>
+
+<file path=ppt/ink/ink2.xml><?xml version="1.0" encoding="utf-8"?>
+<inkml:ink xmlns:inkml="http://www.w3.org/2003/InkML">
+  <inkml:definitions>
+    <inkml:context xml:id="ctx0">
+      <inkml:inkSource xml:id="inkSrc0">
+        <inkml:traceFormat>
+          <inkml:channel name="X" type="integer" min="-2.14748E9" max="2.14748E9" units="cm"/>
+          <inkml:channel name="Y" type="integer" min="-2.14748E9" max="2.14748E9" units="cm"/>
+        </inkml:traceFormat>
+        <inkml:channelProperties>
+          <inkml:channelProperty channel="X" name="resolution" value="1000" units="1/cm"/>
+          <inkml:channelProperty channel="Y" name="resolution" value="1000" units="1/cm"/>
+        </inkml:channelProperties>
+      </inkml:inkSource>
+      <inkml:timestamp xml:id="ts0" timeString="2025-06-13T21:32:04.581"/>
+    </inkml:context>
+    <inkml:brush xml:id="br0">
+      <inkml:brushProperty name="width" value="0.3" units="cm"/>
+      <inkml:brushProperty name="height" value="0.6" units="cm"/>
+      <inkml:brushProperty name="color" value="#FFFC00"/>
+      <inkml:brushProperty name="tip" value="rectangle"/>
+      <inkml:brushProperty name="rasterOp" value="maskPen"/>
+      <inkml:brushProperty name="ignorePressure" value="1"/>
+    </inkml:brush>
+  </inkml:definitions>
+  <inkml:trace contextRef="#ctx0" brushRef="#br0">1 285,'6'0,"1"-1,-1 0,1-1,-1 1,11-5,5-1,632-176,-629 175,0 1,1 2,0 0,0 2,43 0,-27 7,46 11,-49-8,63 5,158-11,-123-2,-31-8,-26 2,-76 7,189-17,-172 12,0 0,24-10,-24 7,40-9,-21 12,1 2,71 4,-40 1,-32-3,-14 0,0 1,-1 1,1 2,0 0,32 9,-3 2,104 13,1-1,-106-13,1-2,1-3,82 2,1139-13,-816 4,-291-11,4 0,-19 12,178-4,-229-6,24-1,420 9,-262 1,-227 2,103 18,-99-10,-51-10,-1 1,0 1,0 0,15 6,-16-3</inkml:trace>
+</inkml:ink>
+</file>
+
+<file path=ppt/ink/ink3.xml><?xml version="1.0" encoding="utf-8"?>
+<inkml:ink xmlns:inkml="http://www.w3.org/2003/InkML">
+  <inkml:definitions>
+    <inkml:context xml:id="ctx0">
+      <inkml:inkSource xml:id="inkSrc0">
+        <inkml:traceFormat>
+          <inkml:channel name="X" type="integer" min="-2.14748E9" max="2.14748E9" units="cm"/>
+          <inkml:channel name="Y" type="integer" min="-2.14748E9" max="2.14748E9" units="cm"/>
+        </inkml:traceFormat>
+        <inkml:channelProperties>
+          <inkml:channelProperty channel="X" name="resolution" value="1000" units="1/cm"/>
+          <inkml:channelProperty channel="Y" name="resolution" value="1000" units="1/cm"/>
+        </inkml:channelProperties>
+      </inkml:inkSource>
+      <inkml:timestamp xml:id="ts0" timeString="2025-06-13T21:32:33.650"/>
+    </inkml:context>
+    <inkml:brush xml:id="br0">
+      <inkml:brushProperty name="width" value="0.3" units="cm"/>
+      <inkml:brushProperty name="height" value="0.6" units="cm"/>
+      <inkml:brushProperty name="color" value="#FFFC00"/>
+      <inkml:brushProperty name="tip" value="rectangle"/>
+      <inkml:brushProperty name="rasterOp" value="maskPen"/>
+      <inkml:brushProperty name="ignorePressure" value="1"/>
+    </inkml:brush>
+  </inkml:definitions>
+  <inkml:trace contextRef="#ctx0" brushRef="#br0">1 72,'29'-2,"1"-1,36-8,-7 0,-23 7,-25 4,0-1,0-1,0 0,0 0,0-1,15-7,-18 6,1 1,0 0,0 0,1 1,-1 0,0 0,1 1,13 0,6 2,41 8,18 0,-14-10,33 2,-58 7,-35-4,26 2,105-5,-78-2,-56 1</inkml:trace>
+</inkml:ink>
+</file>
+
+<file path=ppt/ink/ink4.xml><?xml version="1.0" encoding="utf-8"?>
+<inkml:ink xmlns:inkml="http://www.w3.org/2003/InkML">
+  <inkml:definitions>
+    <inkml:context xml:id="ctx0">
+      <inkml:inkSource xml:id="inkSrc0">
+        <inkml:traceFormat>
+          <inkml:channel name="X" type="integer" min="-2.14748E9" max="2.14748E9" units="cm"/>
+          <inkml:channel name="Y" type="integer" min="-2.14748E9" max="2.14748E9" units="cm"/>
+        </inkml:traceFormat>
+        <inkml:channelProperties>
+          <inkml:channelProperty channel="X" name="resolution" value="1000" units="1/cm"/>
+          <inkml:channelProperty channel="Y" name="resolution" value="1000" units="1/cm"/>
+        </inkml:channelProperties>
+      </inkml:inkSource>
+      <inkml:timestamp xml:id="ts0" timeString="2025-06-13T21:32:36.923"/>
+    </inkml:context>
+    <inkml:brush xml:id="br0">
+      <inkml:brushProperty name="width" value="0.3" units="cm"/>
+      <inkml:brushProperty name="height" value="0.6" units="cm"/>
+      <inkml:brushProperty name="color" value="#FFFC00"/>
+      <inkml:brushProperty name="tip" value="rectangle"/>
+      <inkml:brushProperty name="rasterOp" value="maskPen"/>
+      <inkml:brushProperty name="ignorePressure" value="1"/>
+    </inkml:brush>
+  </inkml:definitions>
+  <inkml:trace contextRef="#ctx0" brushRef="#br0">1 160,'57'0,"1"-2,58-10,181-61,-239 56,14 0,0 3,0 3,1 3,101 2,464 7,-608 1,1 0,0 2,-1 1,0 2,53 19,-46-14,1-2,-1-1,43 3,19 5,-61-10,60 5,-61-11,-22-2,-1 1,1 1,0 0,0 2,-1-1,0 2,20 6,-16-3,0 0,1-2,0 0,30 4,-8-2,-18-3,37 1,-44-4</inkml:trace>
+</inkml:ink>
+</file>
+
+<file path=ppt/ink/ink5.xml><?xml version="1.0" encoding="utf-8"?>
+<inkml:ink xmlns:inkml="http://www.w3.org/2003/InkML">
+  <inkml:definitions>
+    <inkml:context xml:id="ctx0">
+      <inkml:inkSource xml:id="inkSrc0">
+        <inkml:traceFormat>
+          <inkml:channel name="X" type="integer" min="-2.14748E9" max="2.14748E9" units="cm"/>
+          <inkml:channel name="Y" type="integer" min="-2.14748E9" max="2.14748E9" units="cm"/>
+        </inkml:traceFormat>
+        <inkml:channelProperties>
+          <inkml:channelProperty channel="X" name="resolution" value="1000" units="1/cm"/>
+          <inkml:channelProperty channel="Y" name="resolution" value="1000" units="1/cm"/>
+        </inkml:channelProperties>
+      </inkml:inkSource>
+      <inkml:timestamp xml:id="ts0" timeString="2025-06-13T21:33:00.215"/>
+    </inkml:context>
+    <inkml:brush xml:id="br0">
+      <inkml:brushProperty name="width" value="0.3" units="cm"/>
+      <inkml:brushProperty name="height" value="0.6" units="cm"/>
+      <inkml:brushProperty name="color" value="#FFFC00"/>
+      <inkml:brushProperty name="tip" value="rectangle"/>
+      <inkml:brushProperty name="rasterOp" value="maskPen"/>
+      <inkml:brushProperty name="ignorePressure" value="1"/>
+    </inkml:brush>
+  </inkml:definitions>
+  <inkml:trace contextRef="#ctx0" brushRef="#br0">1 1,'862'0,"-841"1,36 6,7 2,23 2,-54-5,11 1,-20-2,49 3,287-9,-330 3,-2 1,46 10,3 1,-66-12,1 1,-1 0,16 7,-15-5,0-1,22 5,3-5,-1-2,56-4,-20 1,1151 1,-1201-1,41-8,-40 5,32-1,25-4,2 0,-4 10,-43 0,0-1,58-8,-48 2,1 2,56 3,-48 1,57-6,-39-4,-10 0,86-1,720 12,-860 0,-1-1,1 1,-1 0,1 1,-1 0,9 3,-8-2</inkml:trace>
+</inkml:ink>
 </file>
 
 <file path=ppt/notesMasters/notesMaster1.xml><?xml version="1.0" encoding="utf-8"?>
@@ -4674,10 +4821,10 @@
       </p:sp>
       <p:pic>
         <p:nvPicPr>
-          <p:cNvPr id="5" name="Picture 4">
-            <a:extLst>
-              <a:ext uri="{FF2B5EF4-FFF2-40B4-BE49-F238E27FC236}">
-                <a16:creationId xmlns:a16="http://schemas.microsoft.com/office/drawing/2014/main" id="{6272E836-F26F-0552-93B8-023F64584AF1}"/>
+          <p:cNvPr id="3" name="Picture 2">
+            <a:extLst>
+              <a:ext uri="{FF2B5EF4-FFF2-40B4-BE49-F238E27FC236}">
+                <a16:creationId xmlns:a16="http://schemas.microsoft.com/office/drawing/2014/main" id="{0A91D5F8-852F-F86E-3DAE-F1655DDD3910}"/>
               </a:ext>
             </a:extLst>
           </p:cNvPr>
@@ -4694,8 +4841,8 @@
         </p:blipFill>
         <p:spPr>
           <a:xfrm>
-            <a:off x="0" y="314506"/>
-            <a:ext cx="12192000" cy="6228988"/>
+            <a:off x="0" y="316606"/>
+            <a:ext cx="12192000" cy="6224788"/>
           </a:xfrm>
           <a:prstGeom prst="rect">
             <a:avLst/>
@@ -5297,10 +5444,10 @@
       </p:sp>
       <p:pic>
         <p:nvPicPr>
-          <p:cNvPr id="5" name="Picture 4">
-            <a:extLst>
-              <a:ext uri="{FF2B5EF4-FFF2-40B4-BE49-F238E27FC236}">
-                <a16:creationId xmlns:a16="http://schemas.microsoft.com/office/drawing/2014/main" id="{C3338848-3869-541E-7024-CED54384F430}"/>
+          <p:cNvPr id="3" name="Picture 2">
+            <a:extLst>
+              <a:ext uri="{FF2B5EF4-FFF2-40B4-BE49-F238E27FC236}">
+                <a16:creationId xmlns:a16="http://schemas.microsoft.com/office/drawing/2014/main" id="{6A5804C7-367F-2D7A-86DC-B188F2F661F8}"/>
               </a:ext>
             </a:extLst>
           </p:cNvPr>
@@ -5317,8 +5464,8 @@
         </p:blipFill>
         <p:spPr>
           <a:xfrm>
-            <a:off x="0" y="325034"/>
-            <a:ext cx="12192000" cy="6207932"/>
+            <a:off x="0" y="310016"/>
+            <a:ext cx="12192000" cy="6237967"/>
           </a:xfrm>
           <a:prstGeom prst="rect">
             <a:avLst/>
@@ -5869,8 +6016,8 @@
         </p:blipFill>
         <p:spPr>
           <a:xfrm>
-            <a:off x="4236657" y="643467"/>
-            <a:ext cx="3718685" cy="5571065"/>
+            <a:off x="3983183" y="263729"/>
+            <a:ext cx="4371108" cy="6548478"/>
           </a:xfrm>
           <a:prstGeom prst="rect">
             <a:avLst/>
@@ -6574,6 +6721,261 @@
           </a:p>
         </p:txBody>
       </p:sp>
+      <mc:AlternateContent xmlns:mc="http://schemas.openxmlformats.org/markup-compatibility/2006">
+        <mc:Choice xmlns:p14="http://schemas.microsoft.com/office/powerpoint/2010/main" Requires="p14">
+          <p:contentPart p14:bwMode="auto" r:id="rId4">
+            <p14:nvContentPartPr>
+              <p14:cNvPr id="3" name="Ink 2">
+                <a:extLst>
+                  <a:ext uri="{FF2B5EF4-FFF2-40B4-BE49-F238E27FC236}">
+                    <a16:creationId xmlns:a16="http://schemas.microsoft.com/office/drawing/2014/main" id="{F77F79E0-247C-DC69-C5CA-62A483B6C173}"/>
+                  </a:ext>
+                </a:extLst>
+              </p14:cNvPr>
+              <p14:cNvContentPartPr/>
+              <p14:nvPr/>
+            </p14:nvContentPartPr>
+            <p14:xfrm>
+              <a:off x="7502465" y="1558047"/>
+              <a:ext cx="1981440" cy="35640"/>
+            </p14:xfrm>
+          </p:contentPart>
+        </mc:Choice>
+        <mc:Fallback>
+          <p:pic>
+            <p:nvPicPr>
+              <p:cNvPr id="3" name="Ink 2">
+                <a:extLst>
+                  <a:ext uri="{FF2B5EF4-FFF2-40B4-BE49-F238E27FC236}">
+                    <a16:creationId xmlns:a16="http://schemas.microsoft.com/office/drawing/2014/main" id="{F77F79E0-247C-DC69-C5CA-62A483B6C173}"/>
+                  </a:ext>
+                </a:extLst>
+              </p:cNvPr>
+              <p:cNvPicPr/>
+              <p:nvPr/>
+            </p:nvPicPr>
+            <p:blipFill>
+              <a:blip r:embed="rId5"/>
+              <a:stretch>
+                <a:fillRect/>
+              </a:stretch>
+            </p:blipFill>
+            <p:spPr>
+              <a:xfrm>
+                <a:off x="7448465" y="1450047"/>
+                <a:ext cx="2089080" cy="251280"/>
+              </a:xfrm>
+              <a:prstGeom prst="rect">
+                <a:avLst/>
+              </a:prstGeom>
+            </p:spPr>
+          </p:pic>
+        </mc:Fallback>
+      </mc:AlternateContent>
+      <mc:AlternateContent xmlns:mc="http://schemas.openxmlformats.org/markup-compatibility/2006">
+        <mc:Choice xmlns:p14="http://schemas.microsoft.com/office/powerpoint/2010/main" Requires="p14">
+          <p:contentPart p14:bwMode="auto" r:id="rId6">
+            <p14:nvContentPartPr>
+              <p14:cNvPr id="4" name="Ink 3">
+                <a:extLst>
+                  <a:ext uri="{FF2B5EF4-FFF2-40B4-BE49-F238E27FC236}">
+                    <a16:creationId xmlns:a16="http://schemas.microsoft.com/office/drawing/2014/main" id="{DE8AA745-DC45-7DCE-B5C9-B9D5505825F8}"/>
+                  </a:ext>
+                </a:extLst>
+              </p14:cNvPr>
+              <p14:cNvContentPartPr/>
+              <p14:nvPr/>
+            </p14:nvContentPartPr>
+            <p14:xfrm>
+              <a:off x="7524380" y="2640650"/>
+              <a:ext cx="2632680" cy="102960"/>
+            </p14:xfrm>
+          </p:contentPart>
+        </mc:Choice>
+        <mc:Fallback>
+          <p:pic>
+            <p:nvPicPr>
+              <p:cNvPr id="4" name="Ink 3">
+                <a:extLst>
+                  <a:ext uri="{FF2B5EF4-FFF2-40B4-BE49-F238E27FC236}">
+                    <a16:creationId xmlns:a16="http://schemas.microsoft.com/office/drawing/2014/main" id="{DE8AA745-DC45-7DCE-B5C9-B9D5505825F8}"/>
+                  </a:ext>
+                </a:extLst>
+              </p:cNvPr>
+              <p:cNvPicPr/>
+              <p:nvPr/>
+            </p:nvPicPr>
+            <p:blipFill>
+              <a:blip r:embed="rId7"/>
+              <a:stretch>
+                <a:fillRect/>
+              </a:stretch>
+            </p:blipFill>
+            <p:spPr>
+              <a:xfrm>
+                <a:off x="7470740" y="2532650"/>
+                <a:ext cx="2740320" cy="318600"/>
+              </a:xfrm>
+              <a:prstGeom prst="rect">
+                <a:avLst/>
+              </a:prstGeom>
+            </p:spPr>
+          </p:pic>
+        </mc:Fallback>
+      </mc:AlternateContent>
+      <mc:AlternateContent xmlns:mc="http://schemas.openxmlformats.org/markup-compatibility/2006">
+        <mc:Choice xmlns:p14="http://schemas.microsoft.com/office/powerpoint/2010/main" Requires="p14">
+          <p:contentPart p14:bwMode="auto" r:id="rId8">
+            <p14:nvContentPartPr>
+              <p14:cNvPr id="6" name="Ink 5">
+                <a:extLst>
+                  <a:ext uri="{FF2B5EF4-FFF2-40B4-BE49-F238E27FC236}">
+                    <a16:creationId xmlns:a16="http://schemas.microsoft.com/office/drawing/2014/main" id="{F2CA95D1-AAAE-F9DC-1244-2CD52DB3FDA5}"/>
+                  </a:ext>
+                </a:extLst>
+              </p14:cNvPr>
+              <p14:cNvContentPartPr/>
+              <p14:nvPr/>
+            </p14:nvContentPartPr>
+            <p14:xfrm>
+              <a:off x="10013780" y="3282530"/>
+              <a:ext cx="397440" cy="25920"/>
+            </p14:xfrm>
+          </p:contentPart>
+        </mc:Choice>
+        <mc:Fallback>
+          <p:pic>
+            <p:nvPicPr>
+              <p:cNvPr id="6" name="Ink 5">
+                <a:extLst>
+                  <a:ext uri="{FF2B5EF4-FFF2-40B4-BE49-F238E27FC236}">
+                    <a16:creationId xmlns:a16="http://schemas.microsoft.com/office/drawing/2014/main" id="{F2CA95D1-AAAE-F9DC-1244-2CD52DB3FDA5}"/>
+                  </a:ext>
+                </a:extLst>
+              </p:cNvPr>
+              <p:cNvPicPr/>
+              <p:nvPr/>
+            </p:nvPicPr>
+            <p:blipFill>
+              <a:blip r:embed="rId9"/>
+              <a:stretch>
+                <a:fillRect/>
+              </a:stretch>
+            </p:blipFill>
+            <p:spPr>
+              <a:xfrm>
+                <a:off x="9960140" y="3174530"/>
+                <a:ext cx="505080" cy="241560"/>
+              </a:xfrm>
+              <a:prstGeom prst="rect">
+                <a:avLst/>
+              </a:prstGeom>
+            </p:spPr>
+          </p:pic>
+        </mc:Fallback>
+      </mc:AlternateContent>
+      <mc:AlternateContent xmlns:mc="http://schemas.openxmlformats.org/markup-compatibility/2006">
+        <mc:Choice xmlns:p14="http://schemas.microsoft.com/office/powerpoint/2010/main" Requires="p14">
+          <p:contentPart p14:bwMode="auto" r:id="rId10">
+            <p14:nvContentPartPr>
+              <p14:cNvPr id="7" name="Ink 6">
+                <a:extLst>
+                  <a:ext uri="{FF2B5EF4-FFF2-40B4-BE49-F238E27FC236}">
+                    <a16:creationId xmlns:a16="http://schemas.microsoft.com/office/drawing/2014/main" id="{3FFC69B4-0D5E-0169-9CAD-F2B695A30D0D}"/>
+                  </a:ext>
+                </a:extLst>
+              </p14:cNvPr>
+              <p14:cNvContentPartPr/>
+              <p14:nvPr/>
+            </p14:nvContentPartPr>
+            <p14:xfrm>
+              <a:off x="8254460" y="3256970"/>
+              <a:ext cx="1002960" cy="70920"/>
+            </p14:xfrm>
+          </p:contentPart>
+        </mc:Choice>
+        <mc:Fallback>
+          <p:pic>
+            <p:nvPicPr>
+              <p:cNvPr id="7" name="Ink 6">
+                <a:extLst>
+                  <a:ext uri="{FF2B5EF4-FFF2-40B4-BE49-F238E27FC236}">
+                    <a16:creationId xmlns:a16="http://schemas.microsoft.com/office/drawing/2014/main" id="{3FFC69B4-0D5E-0169-9CAD-F2B695A30D0D}"/>
+                  </a:ext>
+                </a:extLst>
+              </p:cNvPr>
+              <p:cNvPicPr/>
+              <p:nvPr/>
+            </p:nvPicPr>
+            <p:blipFill>
+              <a:blip r:embed="rId11"/>
+              <a:stretch>
+                <a:fillRect/>
+              </a:stretch>
+            </p:blipFill>
+            <p:spPr>
+              <a:xfrm>
+                <a:off x="8200820" y="3148970"/>
+                <a:ext cx="1110600" cy="286560"/>
+              </a:xfrm>
+              <a:prstGeom prst="rect">
+                <a:avLst/>
+              </a:prstGeom>
+            </p:spPr>
+          </p:pic>
+        </mc:Fallback>
+      </mc:AlternateContent>
+      <mc:AlternateContent xmlns:mc="http://schemas.openxmlformats.org/markup-compatibility/2006">
+        <mc:Choice xmlns:p14="http://schemas.microsoft.com/office/powerpoint/2010/main" Requires="p14">
+          <p:contentPart p14:bwMode="auto" r:id="rId12">
+            <p14:nvContentPartPr>
+              <p14:cNvPr id="8" name="Ink 7">
+                <a:extLst>
+                  <a:ext uri="{FF2B5EF4-FFF2-40B4-BE49-F238E27FC236}">
+                    <a16:creationId xmlns:a16="http://schemas.microsoft.com/office/drawing/2014/main" id="{A7BA3879-E0E6-BEE4-C073-E4BD5B624316}"/>
+                  </a:ext>
+                </a:extLst>
+              </p14:cNvPr>
+              <p14:cNvContentPartPr/>
+              <p14:nvPr/>
+            </p14:nvContentPartPr>
+            <p14:xfrm>
+              <a:off x="7479740" y="6051290"/>
+              <a:ext cx="2000520" cy="46080"/>
+            </p14:xfrm>
+          </p:contentPart>
+        </mc:Choice>
+        <mc:Fallback>
+          <p:pic>
+            <p:nvPicPr>
+              <p:cNvPr id="8" name="Ink 7">
+                <a:extLst>
+                  <a:ext uri="{FF2B5EF4-FFF2-40B4-BE49-F238E27FC236}">
+                    <a16:creationId xmlns:a16="http://schemas.microsoft.com/office/drawing/2014/main" id="{A7BA3879-E0E6-BEE4-C073-E4BD5B624316}"/>
+                  </a:ext>
+                </a:extLst>
+              </p:cNvPr>
+              <p:cNvPicPr/>
+              <p:nvPr/>
+            </p:nvPicPr>
+            <p:blipFill>
+              <a:blip r:embed="rId13"/>
+              <a:stretch>
+                <a:fillRect/>
+              </a:stretch>
+            </p:blipFill>
+            <p:spPr>
+              <a:xfrm>
+                <a:off x="7426100" y="5943650"/>
+                <a:ext cx="2108160" cy="261720"/>
+              </a:xfrm>
+              <a:prstGeom prst="rect">
+                <a:avLst/>
+              </a:prstGeom>
+            </p:spPr>
+          </p:pic>
+        </mc:Fallback>
+      </mc:AlternateContent>
     </p:spTree>
     <p:extLst>
       <p:ext uri="{BB962C8B-B14F-4D97-AF65-F5344CB8AC3E}">
